--- a/starter/DevOpsPipeline.pptx
+++ b/starter/DevOpsPipeline.pptx
@@ -1,19 +1,19 @@
 
 <file path=ppt/presentation.xml><?xml version="1.0" encoding="utf-8"?>
-<p:presentation xmlns:a="http://schemas.openxmlformats.org/drawingml/2006/main" xmlns:r="http://schemas.openxmlformats.org/officeDocument/2006/relationships" xmlns:mc="http://schemas.openxmlformats.org/markup-compatibility/2006" xmlns:mv="urn:schemas-microsoft-com:mac:vml" xmlns:p="http://schemas.openxmlformats.org/presentationml/2006/main" xmlns:c="http://schemas.openxmlformats.org/drawingml/2006/chart" xmlns:dgm="http://schemas.openxmlformats.org/drawingml/2006/diagram" xmlns:o="urn:schemas-microsoft-com:office:office" xmlns:v="urn:schemas-microsoft-com:vml" xmlns:pvml="urn:schemas-microsoft-com:office:powerpoint" xmlns:com="http://schemas.openxmlformats.org/drawingml/2006/compatibility" xmlns:p14="http://schemas.microsoft.com/office/powerpoint/2010/main" xmlns:p15="http://schemas.microsoft.com/office/powerpoint/2012/main" autoCompressPictures="0" strictFirstAndLastChars="0" saveSubsetFonts="1">
+<p:presentation xmlns:a="http://schemas.openxmlformats.org/drawingml/2006/main" xmlns:r="http://schemas.openxmlformats.org/officeDocument/2006/relationships" xmlns:p="http://schemas.openxmlformats.org/presentationml/2006/main" strictFirstAndLastChars="0" autoCompressPictures="0">
   <p:sldMasterIdLst>
-    <p:sldMasterId id="2147483659" r:id="rId4"/>
+    <p:sldMasterId id="2147483648" r:id="rId1"/>
   </p:sldMasterIdLst>
   <p:notesMasterIdLst>
-    <p:notesMasterId r:id="rId5"/>
+    <p:notesMasterId r:id="rId4"/>
   </p:notesMasterIdLst>
   <p:sldIdLst>
-    <p:sldId id="256" r:id="rId6"/>
+    <p:sldId id="256" r:id="rId3"/>
   </p:sldIdLst>
-  <p:sldSz cy="5143500" cx="9144000"/>
+  <p:sldSz cx="9144000" cy="5143500"/>
   <p:notesSz cx="6858000" cy="9144000"/>
   <p:defaultTextStyle>
-    <a:defPPr lvl="0" marR="0" rtl="0" algn="l">
+    <a:defPPr marR="0" lvl="0" algn="l" rtl="0">
       <a:lnSpc>
         <a:spcPct val="100000"/>
       </a:lnSpc>
@@ -24,7 +24,7 @@
         <a:spcPts val="0"/>
       </a:spcAft>
     </a:defPPr>
-    <a:lvl1pPr lvl="0" marR="0" rtl="0" algn="l">
+    <a:lvl1pPr marR="0" lvl="0" algn="l" rtl="0">
       <a:lnSpc>
         <a:spcPct val="100000"/>
       </a:lnSpc>
@@ -37,18 +37,18 @@
       <a:buClr>
         <a:srgbClr val="000000"/>
       </a:buClr>
-      <a:buFont typeface="Arial"/>
-      <a:defRPr b="0" i="0" sz="1400" u="none" cap="none" strike="noStrike">
+      <a:buFont typeface="Arial" panose="020B0604020202020204"/>
+      <a:defRPr sz="1400" b="0" i="0" u="none" strike="noStrike" cap="none">
         <a:solidFill>
           <a:srgbClr val="000000"/>
         </a:solidFill>
-        <a:latin typeface="Arial"/>
-        <a:ea typeface="Arial"/>
-        <a:cs typeface="Arial"/>
-        <a:sym typeface="Arial"/>
+        <a:latin typeface="Arial" panose="020B0604020202020204"/>
+        <a:ea typeface="Arial" panose="020B0604020202020204"/>
+        <a:cs typeface="Arial" panose="020B0604020202020204"/>
+        <a:sym typeface="Arial" panose="020B0604020202020204"/>
       </a:defRPr>
     </a:lvl1pPr>
-    <a:lvl2pPr lvl="1" marR="0" rtl="0" algn="l">
+    <a:lvl2pPr marR="0" lvl="1" algn="l" rtl="0">
       <a:lnSpc>
         <a:spcPct val="100000"/>
       </a:lnSpc>
@@ -61,18 +61,18 @@
       <a:buClr>
         <a:srgbClr val="000000"/>
       </a:buClr>
-      <a:buFont typeface="Arial"/>
-      <a:defRPr b="0" i="0" sz="1400" u="none" cap="none" strike="noStrike">
+      <a:buFont typeface="Arial" panose="020B0604020202020204"/>
+      <a:defRPr sz="1400" b="0" i="0" u="none" strike="noStrike" cap="none">
         <a:solidFill>
           <a:srgbClr val="000000"/>
         </a:solidFill>
-        <a:latin typeface="Arial"/>
-        <a:ea typeface="Arial"/>
-        <a:cs typeface="Arial"/>
-        <a:sym typeface="Arial"/>
+        <a:latin typeface="Arial" panose="020B0604020202020204"/>
+        <a:ea typeface="Arial" panose="020B0604020202020204"/>
+        <a:cs typeface="Arial" panose="020B0604020202020204"/>
+        <a:sym typeface="Arial" panose="020B0604020202020204"/>
       </a:defRPr>
     </a:lvl2pPr>
-    <a:lvl3pPr lvl="2" marR="0" rtl="0" algn="l">
+    <a:lvl3pPr marR="0" lvl="2" algn="l" rtl="0">
       <a:lnSpc>
         <a:spcPct val="100000"/>
       </a:lnSpc>
@@ -85,18 +85,18 @@
       <a:buClr>
         <a:srgbClr val="000000"/>
       </a:buClr>
-      <a:buFont typeface="Arial"/>
-      <a:defRPr b="0" i="0" sz="1400" u="none" cap="none" strike="noStrike">
+      <a:buFont typeface="Arial" panose="020B0604020202020204"/>
+      <a:defRPr sz="1400" b="0" i="0" u="none" strike="noStrike" cap="none">
         <a:solidFill>
           <a:srgbClr val="000000"/>
         </a:solidFill>
-        <a:latin typeface="Arial"/>
-        <a:ea typeface="Arial"/>
-        <a:cs typeface="Arial"/>
-        <a:sym typeface="Arial"/>
+        <a:latin typeface="Arial" panose="020B0604020202020204"/>
+        <a:ea typeface="Arial" panose="020B0604020202020204"/>
+        <a:cs typeface="Arial" panose="020B0604020202020204"/>
+        <a:sym typeface="Arial" panose="020B0604020202020204"/>
       </a:defRPr>
     </a:lvl3pPr>
-    <a:lvl4pPr lvl="3" marR="0" rtl="0" algn="l">
+    <a:lvl4pPr marR="0" lvl="3" algn="l" rtl="0">
       <a:lnSpc>
         <a:spcPct val="100000"/>
       </a:lnSpc>
@@ -109,18 +109,18 @@
       <a:buClr>
         <a:srgbClr val="000000"/>
       </a:buClr>
-      <a:buFont typeface="Arial"/>
-      <a:defRPr b="0" i="0" sz="1400" u="none" cap="none" strike="noStrike">
+      <a:buFont typeface="Arial" panose="020B0604020202020204"/>
+      <a:defRPr sz="1400" b="0" i="0" u="none" strike="noStrike" cap="none">
         <a:solidFill>
           <a:srgbClr val="000000"/>
         </a:solidFill>
-        <a:latin typeface="Arial"/>
-        <a:ea typeface="Arial"/>
-        <a:cs typeface="Arial"/>
-        <a:sym typeface="Arial"/>
+        <a:latin typeface="Arial" panose="020B0604020202020204"/>
+        <a:ea typeface="Arial" panose="020B0604020202020204"/>
+        <a:cs typeface="Arial" panose="020B0604020202020204"/>
+        <a:sym typeface="Arial" panose="020B0604020202020204"/>
       </a:defRPr>
     </a:lvl4pPr>
-    <a:lvl5pPr lvl="4" marR="0" rtl="0" algn="l">
+    <a:lvl5pPr marR="0" lvl="4" algn="l" rtl="0">
       <a:lnSpc>
         <a:spcPct val="100000"/>
       </a:lnSpc>
@@ -133,18 +133,18 @@
       <a:buClr>
         <a:srgbClr val="000000"/>
       </a:buClr>
-      <a:buFont typeface="Arial"/>
-      <a:defRPr b="0" i="0" sz="1400" u="none" cap="none" strike="noStrike">
+      <a:buFont typeface="Arial" panose="020B0604020202020204"/>
+      <a:defRPr sz="1400" b="0" i="0" u="none" strike="noStrike" cap="none">
         <a:solidFill>
           <a:srgbClr val="000000"/>
         </a:solidFill>
-        <a:latin typeface="Arial"/>
-        <a:ea typeface="Arial"/>
-        <a:cs typeface="Arial"/>
-        <a:sym typeface="Arial"/>
+        <a:latin typeface="Arial" panose="020B0604020202020204"/>
+        <a:ea typeface="Arial" panose="020B0604020202020204"/>
+        <a:cs typeface="Arial" panose="020B0604020202020204"/>
+        <a:sym typeface="Arial" panose="020B0604020202020204"/>
       </a:defRPr>
     </a:lvl5pPr>
-    <a:lvl6pPr lvl="5" marR="0" rtl="0" algn="l">
+    <a:lvl6pPr marR="0" lvl="5" algn="l" rtl="0">
       <a:lnSpc>
         <a:spcPct val="100000"/>
       </a:lnSpc>
@@ -157,18 +157,18 @@
       <a:buClr>
         <a:srgbClr val="000000"/>
       </a:buClr>
-      <a:buFont typeface="Arial"/>
-      <a:defRPr b="0" i="0" sz="1400" u="none" cap="none" strike="noStrike">
+      <a:buFont typeface="Arial" panose="020B0604020202020204"/>
+      <a:defRPr sz="1400" b="0" i="0" u="none" strike="noStrike" cap="none">
         <a:solidFill>
           <a:srgbClr val="000000"/>
         </a:solidFill>
-        <a:latin typeface="Arial"/>
-        <a:ea typeface="Arial"/>
-        <a:cs typeface="Arial"/>
-        <a:sym typeface="Arial"/>
+        <a:latin typeface="Arial" panose="020B0604020202020204"/>
+        <a:ea typeface="Arial" panose="020B0604020202020204"/>
+        <a:cs typeface="Arial" panose="020B0604020202020204"/>
+        <a:sym typeface="Arial" panose="020B0604020202020204"/>
       </a:defRPr>
     </a:lvl6pPr>
-    <a:lvl7pPr lvl="6" marR="0" rtl="0" algn="l">
+    <a:lvl7pPr marR="0" lvl="6" algn="l" rtl="0">
       <a:lnSpc>
         <a:spcPct val="100000"/>
       </a:lnSpc>
@@ -181,18 +181,18 @@
       <a:buClr>
         <a:srgbClr val="000000"/>
       </a:buClr>
-      <a:buFont typeface="Arial"/>
-      <a:defRPr b="0" i="0" sz="1400" u="none" cap="none" strike="noStrike">
+      <a:buFont typeface="Arial" panose="020B0604020202020204"/>
+      <a:defRPr sz="1400" b="0" i="0" u="none" strike="noStrike" cap="none">
         <a:solidFill>
           <a:srgbClr val="000000"/>
         </a:solidFill>
-        <a:latin typeface="Arial"/>
-        <a:ea typeface="Arial"/>
-        <a:cs typeface="Arial"/>
-        <a:sym typeface="Arial"/>
+        <a:latin typeface="Arial" panose="020B0604020202020204"/>
+        <a:ea typeface="Arial" panose="020B0604020202020204"/>
+        <a:cs typeface="Arial" panose="020B0604020202020204"/>
+        <a:sym typeface="Arial" panose="020B0604020202020204"/>
       </a:defRPr>
     </a:lvl7pPr>
-    <a:lvl8pPr lvl="7" marR="0" rtl="0" algn="l">
+    <a:lvl8pPr marR="0" lvl="7" algn="l" rtl="0">
       <a:lnSpc>
         <a:spcPct val="100000"/>
       </a:lnSpc>
@@ -205,18 +205,18 @@
       <a:buClr>
         <a:srgbClr val="000000"/>
       </a:buClr>
-      <a:buFont typeface="Arial"/>
-      <a:defRPr b="0" i="0" sz="1400" u="none" cap="none" strike="noStrike">
+      <a:buFont typeface="Arial" panose="020B0604020202020204"/>
+      <a:defRPr sz="1400" b="0" i="0" u="none" strike="noStrike" cap="none">
         <a:solidFill>
           <a:srgbClr val="000000"/>
         </a:solidFill>
-        <a:latin typeface="Arial"/>
-        <a:ea typeface="Arial"/>
-        <a:cs typeface="Arial"/>
-        <a:sym typeface="Arial"/>
+        <a:latin typeface="Arial" panose="020B0604020202020204"/>
+        <a:ea typeface="Arial" panose="020B0604020202020204"/>
+        <a:cs typeface="Arial" panose="020B0604020202020204"/>
+        <a:sym typeface="Arial" panose="020B0604020202020204"/>
       </a:defRPr>
     </a:lvl8pPr>
-    <a:lvl9pPr lvl="8" marR="0" rtl="0" algn="l">
+    <a:lvl9pPr marR="0" lvl="8" algn="l" rtl="0">
       <a:lnSpc>
         <a:spcPct val="100000"/>
       </a:lnSpc>
@@ -229,40 +229,29 @@
       <a:buClr>
         <a:srgbClr val="000000"/>
       </a:buClr>
-      <a:buFont typeface="Arial"/>
-      <a:defRPr b="0" i="0" sz="1400" u="none" cap="none" strike="noStrike">
+      <a:buFont typeface="Arial" panose="020B0604020202020204"/>
+      <a:defRPr sz="1400" b="0" i="0" u="none" strike="noStrike" cap="none">
         <a:solidFill>
           <a:srgbClr val="000000"/>
         </a:solidFill>
-        <a:latin typeface="Arial"/>
-        <a:ea typeface="Arial"/>
-        <a:cs typeface="Arial"/>
-        <a:sym typeface="Arial"/>
+        <a:latin typeface="Arial" panose="020B0604020202020204"/>
+        <a:ea typeface="Arial" panose="020B0604020202020204"/>
+        <a:cs typeface="Arial" panose="020B0604020202020204"/>
+        <a:sym typeface="Arial" panose="020B0604020202020204"/>
       </a:defRPr>
     </a:lvl9pPr>
   </p:defaultTextStyle>
-  <p:extLst>
-    <p:ext uri="{EFAFB233-063F-42B5-8137-9DF3F51BA10A}">
-      <p15:sldGuideLst>
-        <p15:guide id="1" orient="horz" pos="1620">
-          <p15:clr>
-            <a:srgbClr val="A4A3A4"/>
-          </p15:clr>
-        </p15:guide>
-        <p15:guide id="2" pos="2880">
-          <p15:clr>
-            <a:srgbClr val="A4A3A4"/>
-          </p15:clr>
-        </p15:guide>
-      </p15:sldGuideLst>
-    </p:ext>
-  </p:extLst>
 </p:presentation>
 </file>
 
 <file path=ppt/notesMasters/notesMaster1.xml><?xml version="1.0" encoding="utf-8"?>
-<p:notesMaster xmlns:a="http://schemas.openxmlformats.org/drawingml/2006/main" xmlns:r="http://schemas.openxmlformats.org/officeDocument/2006/relationships" xmlns:mc="http://schemas.openxmlformats.org/markup-compatibility/2006" xmlns:mv="urn:schemas-microsoft-com:mac:vml" xmlns:p="http://schemas.openxmlformats.org/presentationml/2006/main" xmlns:c="http://schemas.openxmlformats.org/drawingml/2006/chart" xmlns:dgm="http://schemas.openxmlformats.org/drawingml/2006/diagram" xmlns:o="urn:schemas-microsoft-com:office:office" xmlns:v="urn:schemas-microsoft-com:vml" xmlns:pvml="urn:schemas-microsoft-com:office:powerpoint" xmlns:com="http://schemas.openxmlformats.org/drawingml/2006/compatibility" xmlns:p14="http://schemas.microsoft.com/office/powerpoint/2010/main" xmlns:p15="http://schemas.microsoft.com/office/powerpoint/2012/main">
+<p:notesMaster xmlns:a="http://schemas.openxmlformats.org/drawingml/2006/main" xmlns:r="http://schemas.openxmlformats.org/officeDocument/2006/relationships" xmlns:p="http://schemas.openxmlformats.org/presentationml/2006/main">
   <p:cSld>
+    <p:bg>
+      <p:bgRef idx="1001">
+        <a:schemeClr val="bg1"/>
+      </p:bgRef>
+    </p:bg>
     <p:spTree>
       <p:nvGrpSpPr>
         <p:cNvPr id="2" name="Shape 2"/>
@@ -282,7 +271,7 @@
           <p:cNvPr id="3" name="Google Shape;3;n"/>
           <p:cNvSpPr/>
           <p:nvPr>
-            <p:ph idx="2" type="sldImg"/>
+            <p:ph type="sldImg" idx="2"/>
           </p:nvPr>
         </p:nvSpPr>
         <p:spPr>
@@ -291,9 +280,13 @@
             <a:ext cx="6096075" cy="3429000"/>
           </a:xfrm>
           <a:custGeom>
-            <a:rect b="b" l="l" r="r" t="t"/>
+            <a:avLst/>
+            <a:gdLst/>
+            <a:ahLst/>
+            <a:cxnLst/>
+            <a:rect l="l" t="t" r="r" b="b"/>
             <a:pathLst>
-              <a:path extrusionOk="0" h="120000" w="120000">
+              <a:path w="120000" h="120000" extrusionOk="0">
                 <a:moveTo>
                   <a:pt x="0" y="0"/>
                 </a:moveTo>
@@ -311,14 +304,14 @@
             </a:pathLst>
           </a:custGeom>
           <a:noFill/>
-          <a:ln cap="flat" cmpd="sng" w="9525">
+          <a:ln w="9525" cap="flat" cmpd="sng">
             <a:solidFill>
               <a:srgbClr val="000000"/>
             </a:solidFill>
             <a:prstDash val="solid"/>
             <a:round/>
-            <a:headEnd len="sm" w="sm" type="none"/>
-            <a:tailEnd len="sm" w="sm" type="none"/>
+            <a:headEnd type="none" w="sm" len="sm"/>
+            <a:tailEnd type="none" w="sm" len="sm"/>
           </a:ln>
         </p:spPr>
       </p:sp>
@@ -327,7 +320,7 @@
           <p:cNvPr id="4" name="Google Shape;4;n"/>
           <p:cNvSpPr txBox="1"/>
           <p:nvPr>
-            <p:ph idx="1" type="body"/>
+            <p:ph type="body" idx="1"/>
           </p:nvPr>
         </p:nvSpPr>
         <p:spPr>
@@ -344,11 +337,11 @@
           </a:ln>
         </p:spPr>
         <p:txBody>
-          <a:bodyPr anchorCtr="0" anchor="t" bIns="91425" lIns="91425" spcFirstLastPara="1" rIns="91425" wrap="square" tIns="91425">
+          <a:bodyPr spcFirstLastPara="1" wrap="square" lIns="91425" tIns="91425" rIns="91425" bIns="91425" anchor="t" anchorCtr="0">
             <a:noAutofit/>
           </a:bodyPr>
           <a:lstStyle>
-            <a:lvl1pPr indent="-298450" lvl="0" marL="457200">
+            <a:lvl1pPr marL="457200" lvl="0" indent="-298450">
               <a:spcBef>
                 <a:spcPts val="0"/>
               </a:spcBef>
@@ -359,7 +352,7 @@
               <a:buChar char="●"/>
               <a:defRPr sz="1100"/>
             </a:lvl1pPr>
-            <a:lvl2pPr indent="-298450" lvl="1" marL="914400">
+            <a:lvl2pPr marL="914400" lvl="1" indent="-298450">
               <a:spcBef>
                 <a:spcPts val="0"/>
               </a:spcBef>
@@ -370,7 +363,7 @@
               <a:buChar char="○"/>
               <a:defRPr sz="1100"/>
             </a:lvl2pPr>
-            <a:lvl3pPr indent="-298450" lvl="2" marL="1371600">
+            <a:lvl3pPr marL="1371600" lvl="2" indent="-298450">
               <a:spcBef>
                 <a:spcPts val="0"/>
               </a:spcBef>
@@ -381,7 +374,7 @@
               <a:buChar char="■"/>
               <a:defRPr sz="1100"/>
             </a:lvl3pPr>
-            <a:lvl4pPr indent="-298450" lvl="3" marL="1828800">
+            <a:lvl4pPr marL="1828800" lvl="3" indent="-298450">
               <a:spcBef>
                 <a:spcPts val="0"/>
               </a:spcBef>
@@ -392,7 +385,7 @@
               <a:buChar char="●"/>
               <a:defRPr sz="1100"/>
             </a:lvl4pPr>
-            <a:lvl5pPr indent="-298450" lvl="4" marL="2286000">
+            <a:lvl5pPr marL="2286000" lvl="4" indent="-298450">
               <a:spcBef>
                 <a:spcPts val="0"/>
               </a:spcBef>
@@ -403,7 +396,7 @@
               <a:buChar char="○"/>
               <a:defRPr sz="1100"/>
             </a:lvl5pPr>
-            <a:lvl6pPr indent="-298450" lvl="5" marL="2743200">
+            <a:lvl6pPr marL="2743200" lvl="5" indent="-298450">
               <a:spcBef>
                 <a:spcPts val="0"/>
               </a:spcBef>
@@ -414,7 +407,7 @@
               <a:buChar char="■"/>
               <a:defRPr sz="1100"/>
             </a:lvl6pPr>
-            <a:lvl7pPr indent="-298450" lvl="6" marL="3200400">
+            <a:lvl7pPr marL="3200400" lvl="6" indent="-298450">
               <a:spcBef>
                 <a:spcPts val="0"/>
               </a:spcBef>
@@ -425,7 +418,7 @@
               <a:buChar char="●"/>
               <a:defRPr sz="1100"/>
             </a:lvl7pPr>
-            <a:lvl8pPr indent="-298450" lvl="7" marL="3657600">
+            <a:lvl8pPr marL="3657600" lvl="7" indent="-298450">
               <a:spcBef>
                 <a:spcPts val="0"/>
               </a:spcBef>
@@ -436,7 +429,7 @@
               <a:buChar char="○"/>
               <a:defRPr sz="1100"/>
             </a:lvl8pPr>
-            <a:lvl9pPr indent="-298450" lvl="8" marL="4114800">
+            <a:lvl9pPr marL="4114800" lvl="8" indent="-298450">
               <a:spcBef>
                 <a:spcPts val="0"/>
               </a:spcBef>
@@ -453,9 +446,9 @@
       </p:sp>
     </p:spTree>
   </p:cSld>
-  <p:clrMap accent1="accent1" accent2="accent2" accent3="accent3" accent4="accent4" accent5="accent5" accent6="accent6" bg1="lt1" bg2="dk2" tx1="dk1" tx2="lt2" folHlink="folHlink" hlink="hlink"/>
+  <p:clrMap bg1="lt1" tx1="dk1" bg2="dk2" tx2="lt2" accent1="accent1" accent2="accent2" accent3="accent3" accent4="accent4" accent5="accent5" accent6="accent6" hlink="hlink" folHlink="folHlink"/>
   <p:notesStyle>
-    <a:defPPr lvl="0" marR="0" rtl="0" algn="l">
+    <a:defPPr marR="0" lvl="0" algn="l" rtl="0">
       <a:lnSpc>
         <a:spcPct val="100000"/>
       </a:lnSpc>
@@ -466,7 +459,7 @@
         <a:spcPts val="0"/>
       </a:spcAft>
     </a:defPPr>
-    <a:lvl1pPr lvl="0" marR="0" rtl="0" algn="l">
+    <a:lvl1pPr marR="0" lvl="0" algn="l" rtl="0">
       <a:lnSpc>
         <a:spcPct val="100000"/>
       </a:lnSpc>
@@ -479,18 +472,18 @@
       <a:buClr>
         <a:srgbClr val="000000"/>
       </a:buClr>
-      <a:buFont typeface="Arial"/>
-      <a:defRPr b="0" i="0" sz="1400" u="none" cap="none" strike="noStrike">
+      <a:buFont typeface="Arial" panose="020B0604020202020204"/>
+      <a:defRPr sz="1400" b="0" i="0" u="none" strike="noStrike" cap="none">
         <a:solidFill>
           <a:srgbClr val="000000"/>
         </a:solidFill>
-        <a:latin typeface="Arial"/>
-        <a:ea typeface="Arial"/>
-        <a:cs typeface="Arial"/>
-        <a:sym typeface="Arial"/>
+        <a:latin typeface="Arial" panose="020B0604020202020204"/>
+        <a:ea typeface="Arial" panose="020B0604020202020204"/>
+        <a:cs typeface="Arial" panose="020B0604020202020204"/>
+        <a:sym typeface="Arial" panose="020B0604020202020204"/>
       </a:defRPr>
     </a:lvl1pPr>
-    <a:lvl2pPr lvl="1" marR="0" rtl="0" algn="l">
+    <a:lvl2pPr marR="0" lvl="1" algn="l" rtl="0">
       <a:lnSpc>
         <a:spcPct val="100000"/>
       </a:lnSpc>
@@ -503,18 +496,18 @@
       <a:buClr>
         <a:srgbClr val="000000"/>
       </a:buClr>
-      <a:buFont typeface="Arial"/>
-      <a:defRPr b="0" i="0" sz="1400" u="none" cap="none" strike="noStrike">
+      <a:buFont typeface="Arial" panose="020B0604020202020204"/>
+      <a:defRPr sz="1400" b="0" i="0" u="none" strike="noStrike" cap="none">
         <a:solidFill>
           <a:srgbClr val="000000"/>
         </a:solidFill>
-        <a:latin typeface="Arial"/>
-        <a:ea typeface="Arial"/>
-        <a:cs typeface="Arial"/>
-        <a:sym typeface="Arial"/>
+        <a:latin typeface="Arial" panose="020B0604020202020204"/>
+        <a:ea typeface="Arial" panose="020B0604020202020204"/>
+        <a:cs typeface="Arial" panose="020B0604020202020204"/>
+        <a:sym typeface="Arial" panose="020B0604020202020204"/>
       </a:defRPr>
     </a:lvl2pPr>
-    <a:lvl3pPr lvl="2" marR="0" rtl="0" algn="l">
+    <a:lvl3pPr marR="0" lvl="2" algn="l" rtl="0">
       <a:lnSpc>
         <a:spcPct val="100000"/>
       </a:lnSpc>
@@ -527,18 +520,18 @@
       <a:buClr>
         <a:srgbClr val="000000"/>
       </a:buClr>
-      <a:buFont typeface="Arial"/>
-      <a:defRPr b="0" i="0" sz="1400" u="none" cap="none" strike="noStrike">
+      <a:buFont typeface="Arial" panose="020B0604020202020204"/>
+      <a:defRPr sz="1400" b="0" i="0" u="none" strike="noStrike" cap="none">
         <a:solidFill>
           <a:srgbClr val="000000"/>
         </a:solidFill>
-        <a:latin typeface="Arial"/>
-        <a:ea typeface="Arial"/>
-        <a:cs typeface="Arial"/>
-        <a:sym typeface="Arial"/>
+        <a:latin typeface="Arial" panose="020B0604020202020204"/>
+        <a:ea typeface="Arial" panose="020B0604020202020204"/>
+        <a:cs typeface="Arial" panose="020B0604020202020204"/>
+        <a:sym typeface="Arial" panose="020B0604020202020204"/>
       </a:defRPr>
     </a:lvl3pPr>
-    <a:lvl4pPr lvl="3" marR="0" rtl="0" algn="l">
+    <a:lvl4pPr marR="0" lvl="3" algn="l" rtl="0">
       <a:lnSpc>
         <a:spcPct val="100000"/>
       </a:lnSpc>
@@ -551,18 +544,18 @@
       <a:buClr>
         <a:srgbClr val="000000"/>
       </a:buClr>
-      <a:buFont typeface="Arial"/>
-      <a:defRPr b="0" i="0" sz="1400" u="none" cap="none" strike="noStrike">
+      <a:buFont typeface="Arial" panose="020B0604020202020204"/>
+      <a:defRPr sz="1400" b="0" i="0" u="none" strike="noStrike" cap="none">
         <a:solidFill>
           <a:srgbClr val="000000"/>
         </a:solidFill>
-        <a:latin typeface="Arial"/>
-        <a:ea typeface="Arial"/>
-        <a:cs typeface="Arial"/>
-        <a:sym typeface="Arial"/>
+        <a:latin typeface="Arial" panose="020B0604020202020204"/>
+        <a:ea typeface="Arial" panose="020B0604020202020204"/>
+        <a:cs typeface="Arial" panose="020B0604020202020204"/>
+        <a:sym typeface="Arial" panose="020B0604020202020204"/>
       </a:defRPr>
     </a:lvl4pPr>
-    <a:lvl5pPr lvl="4" marR="0" rtl="0" algn="l">
+    <a:lvl5pPr marR="0" lvl="4" algn="l" rtl="0">
       <a:lnSpc>
         <a:spcPct val="100000"/>
       </a:lnSpc>
@@ -575,18 +568,18 @@
       <a:buClr>
         <a:srgbClr val="000000"/>
       </a:buClr>
-      <a:buFont typeface="Arial"/>
-      <a:defRPr b="0" i="0" sz="1400" u="none" cap="none" strike="noStrike">
+      <a:buFont typeface="Arial" panose="020B0604020202020204"/>
+      <a:defRPr sz="1400" b="0" i="0" u="none" strike="noStrike" cap="none">
         <a:solidFill>
           <a:srgbClr val="000000"/>
         </a:solidFill>
-        <a:latin typeface="Arial"/>
-        <a:ea typeface="Arial"/>
-        <a:cs typeface="Arial"/>
-        <a:sym typeface="Arial"/>
+        <a:latin typeface="Arial" panose="020B0604020202020204"/>
+        <a:ea typeface="Arial" panose="020B0604020202020204"/>
+        <a:cs typeface="Arial" panose="020B0604020202020204"/>
+        <a:sym typeface="Arial" panose="020B0604020202020204"/>
       </a:defRPr>
     </a:lvl5pPr>
-    <a:lvl6pPr lvl="5" marR="0" rtl="0" algn="l">
+    <a:lvl6pPr marR="0" lvl="5" algn="l" rtl="0">
       <a:lnSpc>
         <a:spcPct val="100000"/>
       </a:lnSpc>
@@ -599,18 +592,18 @@
       <a:buClr>
         <a:srgbClr val="000000"/>
       </a:buClr>
-      <a:buFont typeface="Arial"/>
-      <a:defRPr b="0" i="0" sz="1400" u="none" cap="none" strike="noStrike">
+      <a:buFont typeface="Arial" panose="020B0604020202020204"/>
+      <a:defRPr sz="1400" b="0" i="0" u="none" strike="noStrike" cap="none">
         <a:solidFill>
           <a:srgbClr val="000000"/>
         </a:solidFill>
-        <a:latin typeface="Arial"/>
-        <a:ea typeface="Arial"/>
-        <a:cs typeface="Arial"/>
-        <a:sym typeface="Arial"/>
+        <a:latin typeface="Arial" panose="020B0604020202020204"/>
+        <a:ea typeface="Arial" panose="020B0604020202020204"/>
+        <a:cs typeface="Arial" panose="020B0604020202020204"/>
+        <a:sym typeface="Arial" panose="020B0604020202020204"/>
       </a:defRPr>
     </a:lvl6pPr>
-    <a:lvl7pPr lvl="6" marR="0" rtl="0" algn="l">
+    <a:lvl7pPr marR="0" lvl="6" algn="l" rtl="0">
       <a:lnSpc>
         <a:spcPct val="100000"/>
       </a:lnSpc>
@@ -623,18 +616,18 @@
       <a:buClr>
         <a:srgbClr val="000000"/>
       </a:buClr>
-      <a:buFont typeface="Arial"/>
-      <a:defRPr b="0" i="0" sz="1400" u="none" cap="none" strike="noStrike">
+      <a:buFont typeface="Arial" panose="020B0604020202020204"/>
+      <a:defRPr sz="1400" b="0" i="0" u="none" strike="noStrike" cap="none">
         <a:solidFill>
           <a:srgbClr val="000000"/>
         </a:solidFill>
-        <a:latin typeface="Arial"/>
-        <a:ea typeface="Arial"/>
-        <a:cs typeface="Arial"/>
-        <a:sym typeface="Arial"/>
+        <a:latin typeface="Arial" panose="020B0604020202020204"/>
+        <a:ea typeface="Arial" panose="020B0604020202020204"/>
+        <a:cs typeface="Arial" panose="020B0604020202020204"/>
+        <a:sym typeface="Arial" panose="020B0604020202020204"/>
       </a:defRPr>
     </a:lvl7pPr>
-    <a:lvl8pPr lvl="7" marR="0" rtl="0" algn="l">
+    <a:lvl8pPr marR="0" lvl="7" algn="l" rtl="0">
       <a:lnSpc>
         <a:spcPct val="100000"/>
       </a:lnSpc>
@@ -647,18 +640,18 @@
       <a:buClr>
         <a:srgbClr val="000000"/>
       </a:buClr>
-      <a:buFont typeface="Arial"/>
-      <a:defRPr b="0" i="0" sz="1400" u="none" cap="none" strike="noStrike">
+      <a:buFont typeface="Arial" panose="020B0604020202020204"/>
+      <a:defRPr sz="1400" b="0" i="0" u="none" strike="noStrike" cap="none">
         <a:solidFill>
           <a:srgbClr val="000000"/>
         </a:solidFill>
-        <a:latin typeface="Arial"/>
-        <a:ea typeface="Arial"/>
-        <a:cs typeface="Arial"/>
-        <a:sym typeface="Arial"/>
+        <a:latin typeface="Arial" panose="020B0604020202020204"/>
+        <a:ea typeface="Arial" panose="020B0604020202020204"/>
+        <a:cs typeface="Arial" panose="020B0604020202020204"/>
+        <a:sym typeface="Arial" panose="020B0604020202020204"/>
       </a:defRPr>
     </a:lvl8pPr>
-    <a:lvl9pPr lvl="8" marR="0" rtl="0" algn="l">
+    <a:lvl9pPr marR="0" lvl="8" algn="l" rtl="0">
       <a:lnSpc>
         <a:spcPct val="100000"/>
       </a:lnSpc>
@@ -671,15 +664,15 @@
       <a:buClr>
         <a:srgbClr val="000000"/>
       </a:buClr>
-      <a:buFont typeface="Arial"/>
-      <a:defRPr b="0" i="0" sz="1400" u="none" cap="none" strike="noStrike">
+      <a:buFont typeface="Arial" panose="020B0604020202020204"/>
+      <a:defRPr sz="1400" b="0" i="0" u="none" strike="noStrike" cap="none">
         <a:solidFill>
           <a:srgbClr val="000000"/>
         </a:solidFill>
-        <a:latin typeface="Arial"/>
-        <a:ea typeface="Arial"/>
-        <a:cs typeface="Arial"/>
-        <a:sym typeface="Arial"/>
+        <a:latin typeface="Arial" panose="020B0604020202020204"/>
+        <a:ea typeface="Arial" panose="020B0604020202020204"/>
+        <a:cs typeface="Arial" panose="020B0604020202020204"/>
+        <a:sym typeface="Arial" panose="020B0604020202020204"/>
       </a:defRPr>
     </a:lvl9pPr>
   </p:notesStyle>
@@ -687,7 +680,7 @@
 </file>
 
 <file path=ppt/notesSlides/notesSlide1.xml><?xml version="1.0" encoding="utf-8"?>
-<p:notes xmlns:a="http://schemas.openxmlformats.org/drawingml/2006/main" xmlns:r="http://schemas.openxmlformats.org/officeDocument/2006/relationships" xmlns:mc="http://schemas.openxmlformats.org/markup-compatibility/2006" xmlns:mv="urn:schemas-microsoft-com:mac:vml" xmlns:p="http://schemas.openxmlformats.org/presentationml/2006/main" xmlns:c="http://schemas.openxmlformats.org/drawingml/2006/chart" xmlns:dgm="http://schemas.openxmlformats.org/drawingml/2006/diagram" xmlns:o="urn:schemas-microsoft-com:office:office" xmlns:v="urn:schemas-microsoft-com:vml" xmlns:pvml="urn:schemas-microsoft-com:office:powerpoint" xmlns:com="http://schemas.openxmlformats.org/drawingml/2006/compatibility" xmlns:p14="http://schemas.microsoft.com/office/powerpoint/2010/main" xmlns:p15="http://schemas.microsoft.com/office/powerpoint/2012/main" showMasterPhAnim="0" showMasterSp="0">
+<p:notes xmlns:a="http://schemas.openxmlformats.org/drawingml/2006/main" xmlns:r="http://schemas.openxmlformats.org/officeDocument/2006/relationships" xmlns:p="http://schemas.openxmlformats.org/presentationml/2006/main" showMasterPhAnim="0" showMasterSp="0">
   <p:cSld>
     <p:spTree>
       <p:nvGrpSpPr>
@@ -708,7 +701,7 @@
           <p:cNvPr id="51" name="Google Shape;51;p:notes"/>
           <p:cNvSpPr/>
           <p:nvPr>
-            <p:ph idx="2" type="sldImg"/>
+            <p:ph type="sldImg" idx="2"/>
           </p:nvPr>
         </p:nvSpPr>
         <p:spPr>
@@ -717,9 +710,13 @@
             <a:ext cx="6096075" cy="3429000"/>
           </a:xfrm>
           <a:custGeom>
-            <a:rect b="b" l="l" r="r" t="t"/>
+            <a:avLst/>
+            <a:gdLst/>
+            <a:ahLst/>
+            <a:cxnLst/>
+            <a:rect l="l" t="t" r="r" b="b"/>
             <a:pathLst>
-              <a:path extrusionOk="0" h="120000" w="120000">
+              <a:path w="120000" h="120000" extrusionOk="0">
                 <a:moveTo>
                   <a:pt x="0" y="0"/>
                 </a:moveTo>
@@ -743,7 +740,7 @@
           <p:cNvPr id="52" name="Google Shape;52;p:notes"/>
           <p:cNvSpPr txBox="1"/>
           <p:nvPr>
-            <p:ph idx="1" type="body"/>
+            <p:ph type="body" idx="1"/>
           </p:nvPr>
         </p:nvSpPr>
         <p:spPr>
@@ -756,12 +753,12 @@
           </a:prstGeom>
         </p:spPr>
         <p:txBody>
-          <a:bodyPr anchorCtr="0" anchor="t" bIns="91425" lIns="91425" spcFirstLastPara="1" rIns="91425" wrap="square" tIns="91425">
+          <a:bodyPr spcFirstLastPara="1" wrap="square" lIns="91425" tIns="91425" rIns="91425" bIns="91425" anchor="t" anchorCtr="0">
             <a:noAutofit/>
           </a:bodyPr>
           <a:lstStyle/>
           <a:p>
-            <a:pPr indent="0" lvl="0" marL="0" rtl="0" algn="l">
+            <a:pPr marL="0" lvl="0" indent="0" algn="l" rtl="0">
               <a:spcBef>
                 <a:spcPts val="0"/>
               </a:spcBef>
@@ -770,10 +767,6 @@
               </a:spcAft>
               <a:buNone/>
             </a:pPr>
-            <a:r>
-              <a:t/>
-            </a:r>
-            <a:endParaRPr/>
           </a:p>
         </p:txBody>
       </p:sp>
@@ -786,7 +779,7 @@
 </file>
 
 <file path=ppt/slideLayouts/slideLayout1.xml><?xml version="1.0" encoding="utf-8"?>
-<p:sldLayout xmlns:a="http://schemas.openxmlformats.org/drawingml/2006/main" xmlns:r="http://schemas.openxmlformats.org/officeDocument/2006/relationships" xmlns:mc="http://schemas.openxmlformats.org/markup-compatibility/2006" xmlns:mv="urn:schemas-microsoft-com:mac:vml" xmlns:p="http://schemas.openxmlformats.org/presentationml/2006/main" xmlns:c="http://schemas.openxmlformats.org/drawingml/2006/chart" xmlns:dgm="http://schemas.openxmlformats.org/drawingml/2006/diagram" xmlns:o="urn:schemas-microsoft-com:office:office" xmlns:v="urn:schemas-microsoft-com:vml" xmlns:pvml="urn:schemas-microsoft-com:office:powerpoint" xmlns:com="http://schemas.openxmlformats.org/drawingml/2006/compatibility" xmlns:p14="http://schemas.microsoft.com/office/powerpoint/2010/main" xmlns:p15="http://schemas.microsoft.com/office/powerpoint/2012/main" matchingName="Title slide" type="title">
+<p:sldLayout xmlns:a="http://schemas.openxmlformats.org/drawingml/2006/main" xmlns:r="http://schemas.openxmlformats.org/officeDocument/2006/relationships" xmlns:p="http://schemas.openxmlformats.org/presentationml/2006/main" type="title" matchingName="Title slide">
   <p:cSld name="TITLE">
     <p:spTree>
       <p:nvGrpSpPr>
@@ -820,7 +813,7 @@
           </a:prstGeom>
         </p:spPr>
         <p:txBody>
-          <a:bodyPr anchorCtr="0" anchor="b" bIns="91425" lIns="91425" spcFirstLastPara="1" rIns="91425" wrap="square" tIns="91425">
+          <a:bodyPr spcFirstLastPara="1" wrap="square" lIns="91425" tIns="91425" rIns="91425" bIns="91425" anchor="b" anchorCtr="0">
             <a:noAutofit/>
           </a:bodyPr>
           <a:lstStyle>
@@ -932,7 +925,7 @@
           <p:cNvPr id="11" name="Google Shape;11;p2"/>
           <p:cNvSpPr txBox="1"/>
           <p:nvPr>
-            <p:ph idx="1" type="subTitle"/>
+            <p:ph type="subTitle" idx="1"/>
           </p:nvPr>
         </p:nvSpPr>
         <p:spPr>
@@ -945,7 +938,7 @@
           </a:prstGeom>
         </p:spPr>
         <p:txBody>
-          <a:bodyPr anchorCtr="0" anchor="t" bIns="91425" lIns="91425" spcFirstLastPara="1" rIns="91425" wrap="square" tIns="91425">
+          <a:bodyPr spcFirstLastPara="1" wrap="square" lIns="91425" tIns="91425" rIns="91425" bIns="91425" anchor="t" anchorCtr="0">
             <a:noAutofit/>
           </a:bodyPr>
           <a:lstStyle>
@@ -1084,7 +1077,7 @@
           <p:cNvPr id="12" name="Google Shape;12;p2"/>
           <p:cNvSpPr txBox="1"/>
           <p:nvPr>
-            <p:ph idx="12" type="sldNum"/>
+            <p:ph type="sldNum" idx="12"/>
           </p:nvPr>
         </p:nvSpPr>
         <p:spPr>
@@ -1097,7 +1090,7 @@
           </a:prstGeom>
         </p:spPr>
         <p:txBody>
-          <a:bodyPr anchorCtr="0" anchor="ctr" bIns="91425" lIns="91425" spcFirstLastPara="1" rIns="91425" wrap="square" tIns="91425">
+          <a:bodyPr spcFirstLastPara="1" wrap="square" lIns="91425" tIns="91425" rIns="91425" bIns="91425" anchor="ctr" anchorCtr="0">
             <a:noAutofit/>
           </a:bodyPr>
           <a:lstStyle>
@@ -1139,7 +1132,7 @@
             </a:lvl9pPr>
           </a:lstStyle>
           <a:p>
-            <a:pPr indent="0" lvl="0" marL="0" rtl="0" algn="r">
+            <a:pPr marL="0" lvl="0" indent="0" algn="r" rtl="0">
               <a:spcBef>
                 <a:spcPts val="0"/>
               </a:spcBef>
@@ -1149,10 +1142,9 @@
               <a:buNone/>
             </a:pPr>
             <a:fld id="{00000000-1234-1234-1234-123412341234}" type="slidenum">
-              <a:rPr lang="en"/>
-              <a:t>‹#›</a:t>
+              <a:rPr lang="en-GB"/>
             </a:fld>
-            <a:endParaRPr/>
+            <a:endParaRPr lang="en-GB"/>
           </a:p>
         </p:txBody>
       </p:sp>
@@ -1165,7 +1157,7 @@
 </file>
 
 <file path=ppt/slideLayouts/slideLayout10.xml><?xml version="1.0" encoding="utf-8"?>
-<p:sldLayout xmlns:a="http://schemas.openxmlformats.org/drawingml/2006/main" xmlns:r="http://schemas.openxmlformats.org/officeDocument/2006/relationships" xmlns:mc="http://schemas.openxmlformats.org/markup-compatibility/2006" xmlns:mv="urn:schemas-microsoft-com:mac:vml" xmlns:p="http://schemas.openxmlformats.org/presentationml/2006/main" xmlns:c="http://schemas.openxmlformats.org/drawingml/2006/chart" xmlns:dgm="http://schemas.openxmlformats.org/drawingml/2006/diagram" xmlns:o="urn:schemas-microsoft-com:office:office" xmlns:v="urn:schemas-microsoft-com:vml" xmlns:pvml="urn:schemas-microsoft-com:office:powerpoint" xmlns:com="http://schemas.openxmlformats.org/drawingml/2006/compatibility" xmlns:p14="http://schemas.microsoft.com/office/powerpoint/2010/main" xmlns:p15="http://schemas.microsoft.com/office/powerpoint/2012/main" matchingName="Big number">
+<p:sldLayout xmlns:a="http://schemas.openxmlformats.org/drawingml/2006/main" xmlns:r="http://schemas.openxmlformats.org/officeDocument/2006/relationships" xmlns:p="http://schemas.openxmlformats.org/presentationml/2006/main" matchingName="Big number">
   <p:cSld name="BIG_NUMBER">
     <p:spTree>
       <p:nvGrpSpPr>
@@ -1186,7 +1178,7 @@
           <p:cNvPr id="45" name="Google Shape;45;p11"/>
           <p:cNvSpPr txBox="1"/>
           <p:nvPr>
-            <p:ph hasCustomPrompt="1" type="title"/>
+            <p:ph type="title" hasCustomPrompt="1"/>
           </p:nvPr>
         </p:nvSpPr>
         <p:spPr>
@@ -1199,7 +1191,7 @@
           </a:prstGeom>
         </p:spPr>
         <p:txBody>
-          <a:bodyPr anchorCtr="0" anchor="b" bIns="91425" lIns="91425" spcFirstLastPara="1" rIns="91425" wrap="square" tIns="91425">
+          <a:bodyPr spcFirstLastPara="1" wrap="square" lIns="91425" tIns="91425" rIns="91425" bIns="91425" anchor="b" anchorCtr="0">
             <a:noAutofit/>
           </a:bodyPr>
           <a:lstStyle>
@@ -1315,7 +1307,7 @@
           <p:cNvPr id="46" name="Google Shape;46;p11"/>
           <p:cNvSpPr txBox="1"/>
           <p:nvPr>
-            <p:ph idx="1" type="body"/>
+            <p:ph type="body" idx="1"/>
           </p:nvPr>
         </p:nvSpPr>
         <p:spPr>
@@ -1328,11 +1320,11 @@
           </a:prstGeom>
         </p:spPr>
         <p:txBody>
-          <a:bodyPr anchorCtr="0" anchor="t" bIns="91425" lIns="91425" spcFirstLastPara="1" rIns="91425" wrap="square" tIns="91425">
+          <a:bodyPr spcFirstLastPara="1" wrap="square" lIns="91425" tIns="91425" rIns="91425" bIns="91425" anchor="t" anchorCtr="0">
             <a:noAutofit/>
           </a:bodyPr>
           <a:lstStyle>
-            <a:lvl1pPr indent="-342900" lvl="0" marL="457200" algn="ctr">
+            <a:lvl1pPr marL="457200" lvl="0" indent="-342900" algn="ctr">
               <a:spcBef>
                 <a:spcPts val="0"/>
               </a:spcBef>
@@ -1343,7 +1335,7 @@
               <a:buChar char="●"/>
               <a:defRPr/>
             </a:lvl1pPr>
-            <a:lvl2pPr indent="-317500" lvl="1" marL="914400" algn="ctr">
+            <a:lvl2pPr marL="914400" lvl="1" indent="-317500" algn="ctr">
               <a:spcBef>
                 <a:spcPts val="1600"/>
               </a:spcBef>
@@ -1354,7 +1346,7 @@
               <a:buChar char="○"/>
               <a:defRPr/>
             </a:lvl2pPr>
-            <a:lvl3pPr indent="-317500" lvl="2" marL="1371600" algn="ctr">
+            <a:lvl3pPr marL="1371600" lvl="2" indent="-317500" algn="ctr">
               <a:spcBef>
                 <a:spcPts val="1600"/>
               </a:spcBef>
@@ -1365,7 +1357,7 @@
               <a:buChar char="■"/>
               <a:defRPr/>
             </a:lvl3pPr>
-            <a:lvl4pPr indent="-317500" lvl="3" marL="1828800" algn="ctr">
+            <a:lvl4pPr marL="1828800" lvl="3" indent="-317500" algn="ctr">
               <a:spcBef>
                 <a:spcPts val="1600"/>
               </a:spcBef>
@@ -1376,7 +1368,7 @@
               <a:buChar char="●"/>
               <a:defRPr/>
             </a:lvl4pPr>
-            <a:lvl5pPr indent="-317500" lvl="4" marL="2286000" algn="ctr">
+            <a:lvl5pPr marL="2286000" lvl="4" indent="-317500" algn="ctr">
               <a:spcBef>
                 <a:spcPts val="1600"/>
               </a:spcBef>
@@ -1387,7 +1379,7 @@
               <a:buChar char="○"/>
               <a:defRPr/>
             </a:lvl5pPr>
-            <a:lvl6pPr indent="-317500" lvl="5" marL="2743200" algn="ctr">
+            <a:lvl6pPr marL="2743200" lvl="5" indent="-317500" algn="ctr">
               <a:spcBef>
                 <a:spcPts val="1600"/>
               </a:spcBef>
@@ -1398,7 +1390,7 @@
               <a:buChar char="■"/>
               <a:defRPr/>
             </a:lvl6pPr>
-            <a:lvl7pPr indent="-317500" lvl="6" marL="3200400" algn="ctr">
+            <a:lvl7pPr marL="3200400" lvl="6" indent="-317500" algn="ctr">
               <a:spcBef>
                 <a:spcPts val="1600"/>
               </a:spcBef>
@@ -1409,7 +1401,7 @@
               <a:buChar char="●"/>
               <a:defRPr/>
             </a:lvl7pPr>
-            <a:lvl8pPr indent="-317500" lvl="7" marL="3657600" algn="ctr">
+            <a:lvl8pPr marL="3657600" lvl="7" indent="-317500" algn="ctr">
               <a:spcBef>
                 <a:spcPts val="1600"/>
               </a:spcBef>
@@ -1420,7 +1412,7 @@
               <a:buChar char="○"/>
               <a:defRPr/>
             </a:lvl8pPr>
-            <a:lvl9pPr indent="-317500" lvl="8" marL="4114800" algn="ctr">
+            <a:lvl9pPr marL="4114800" lvl="8" indent="-317500" algn="ctr">
               <a:spcBef>
                 <a:spcPts val="1600"/>
               </a:spcBef>
@@ -1440,7 +1432,7 @@
           <p:cNvPr id="47" name="Google Shape;47;p11"/>
           <p:cNvSpPr txBox="1"/>
           <p:nvPr>
-            <p:ph idx="12" type="sldNum"/>
+            <p:ph type="sldNum" idx="12"/>
           </p:nvPr>
         </p:nvSpPr>
         <p:spPr>
@@ -1453,7 +1445,7 @@
           </a:prstGeom>
         </p:spPr>
         <p:txBody>
-          <a:bodyPr anchorCtr="0" anchor="ctr" bIns="91425" lIns="91425" spcFirstLastPara="1" rIns="91425" wrap="square" tIns="91425">
+          <a:bodyPr spcFirstLastPara="1" wrap="square" lIns="91425" tIns="91425" rIns="91425" bIns="91425" anchor="ctr" anchorCtr="0">
             <a:noAutofit/>
           </a:bodyPr>
           <a:lstStyle>
@@ -1495,7 +1487,7 @@
             </a:lvl9pPr>
           </a:lstStyle>
           <a:p>
-            <a:pPr indent="0" lvl="0" marL="0" rtl="0" algn="r">
+            <a:pPr marL="0" lvl="0" indent="0" algn="r" rtl="0">
               <a:spcBef>
                 <a:spcPts val="0"/>
               </a:spcBef>
@@ -1505,10 +1497,9 @@
               <a:buNone/>
             </a:pPr>
             <a:fld id="{00000000-1234-1234-1234-123412341234}" type="slidenum">
-              <a:rPr lang="en"/>
-              <a:t>‹#›</a:t>
+              <a:rPr lang="en-GB"/>
             </a:fld>
-            <a:endParaRPr/>
+            <a:endParaRPr lang="en-GB"/>
           </a:p>
         </p:txBody>
       </p:sp>
@@ -1521,7 +1512,7 @@
 </file>
 
 <file path=ppt/slideLayouts/slideLayout11.xml><?xml version="1.0" encoding="utf-8"?>
-<p:sldLayout xmlns:a="http://schemas.openxmlformats.org/drawingml/2006/main" xmlns:r="http://schemas.openxmlformats.org/officeDocument/2006/relationships" xmlns:mc="http://schemas.openxmlformats.org/markup-compatibility/2006" xmlns:mv="urn:schemas-microsoft-com:mac:vml" xmlns:p="http://schemas.openxmlformats.org/presentationml/2006/main" xmlns:c="http://schemas.openxmlformats.org/drawingml/2006/chart" xmlns:dgm="http://schemas.openxmlformats.org/drawingml/2006/diagram" xmlns:o="urn:schemas-microsoft-com:office:office" xmlns:v="urn:schemas-microsoft-com:vml" xmlns:pvml="urn:schemas-microsoft-com:office:powerpoint" xmlns:com="http://schemas.openxmlformats.org/drawingml/2006/compatibility" xmlns:p14="http://schemas.microsoft.com/office/powerpoint/2010/main" xmlns:p15="http://schemas.microsoft.com/office/powerpoint/2012/main" matchingName="Blank" type="blank">
+<p:sldLayout xmlns:a="http://schemas.openxmlformats.org/drawingml/2006/main" xmlns:r="http://schemas.openxmlformats.org/officeDocument/2006/relationships" xmlns:p="http://schemas.openxmlformats.org/presentationml/2006/main" type="blank" matchingName="Blank">
   <p:cSld name="BLANK">
     <p:spTree>
       <p:nvGrpSpPr>
@@ -1542,7 +1533,7 @@
           <p:cNvPr id="49" name="Google Shape;49;p12"/>
           <p:cNvSpPr txBox="1"/>
           <p:nvPr>
-            <p:ph idx="12" type="sldNum"/>
+            <p:ph type="sldNum" idx="12"/>
           </p:nvPr>
         </p:nvSpPr>
         <p:spPr>
@@ -1555,7 +1546,7 @@
           </a:prstGeom>
         </p:spPr>
         <p:txBody>
-          <a:bodyPr anchorCtr="0" anchor="ctr" bIns="91425" lIns="91425" spcFirstLastPara="1" rIns="91425" wrap="square" tIns="91425">
+          <a:bodyPr spcFirstLastPara="1" wrap="square" lIns="91425" tIns="91425" rIns="91425" bIns="91425" anchor="ctr" anchorCtr="0">
             <a:noAutofit/>
           </a:bodyPr>
           <a:lstStyle>
@@ -1597,7 +1588,7 @@
             </a:lvl9pPr>
           </a:lstStyle>
           <a:p>
-            <a:pPr indent="0" lvl="0" marL="0" rtl="0" algn="r">
+            <a:pPr marL="0" lvl="0" indent="0" algn="r" rtl="0">
               <a:spcBef>
                 <a:spcPts val="0"/>
               </a:spcBef>
@@ -1607,10 +1598,9 @@
               <a:buNone/>
             </a:pPr>
             <a:fld id="{00000000-1234-1234-1234-123412341234}" type="slidenum">
-              <a:rPr lang="en"/>
-              <a:t>‹#›</a:t>
+              <a:rPr lang="en-GB"/>
             </a:fld>
-            <a:endParaRPr/>
+            <a:endParaRPr lang="en-GB"/>
           </a:p>
         </p:txBody>
       </p:sp>
@@ -1623,7 +1613,7 @@
 </file>
 
 <file path=ppt/slideLayouts/slideLayout2.xml><?xml version="1.0" encoding="utf-8"?>
-<p:sldLayout xmlns:a="http://schemas.openxmlformats.org/drawingml/2006/main" xmlns:r="http://schemas.openxmlformats.org/officeDocument/2006/relationships" xmlns:mc="http://schemas.openxmlformats.org/markup-compatibility/2006" xmlns:mv="urn:schemas-microsoft-com:mac:vml" xmlns:p="http://schemas.openxmlformats.org/presentationml/2006/main" xmlns:c="http://schemas.openxmlformats.org/drawingml/2006/chart" xmlns:dgm="http://schemas.openxmlformats.org/drawingml/2006/diagram" xmlns:o="urn:schemas-microsoft-com:office:office" xmlns:v="urn:schemas-microsoft-com:vml" xmlns:pvml="urn:schemas-microsoft-com:office:powerpoint" xmlns:com="http://schemas.openxmlformats.org/drawingml/2006/compatibility" xmlns:p14="http://schemas.microsoft.com/office/powerpoint/2010/main" xmlns:p15="http://schemas.microsoft.com/office/powerpoint/2012/main" matchingName="Section header" type="secHead">
+<p:sldLayout xmlns:a="http://schemas.openxmlformats.org/drawingml/2006/main" xmlns:r="http://schemas.openxmlformats.org/officeDocument/2006/relationships" xmlns:p="http://schemas.openxmlformats.org/presentationml/2006/main" type="secHead" matchingName="Section header">
   <p:cSld name="SECTION_HEADER">
     <p:spTree>
       <p:nvGrpSpPr>
@@ -1657,7 +1647,7 @@
           </a:prstGeom>
         </p:spPr>
         <p:txBody>
-          <a:bodyPr anchorCtr="0" anchor="ctr" bIns="91425" lIns="91425" spcFirstLastPara="1" rIns="91425" wrap="square" tIns="91425">
+          <a:bodyPr spcFirstLastPara="1" wrap="square" lIns="91425" tIns="91425" rIns="91425" bIns="91425" anchor="ctr" anchorCtr="0">
             <a:noAutofit/>
           </a:bodyPr>
           <a:lstStyle>
@@ -1769,7 +1759,7 @@
           <p:cNvPr id="15" name="Google Shape;15;p3"/>
           <p:cNvSpPr txBox="1"/>
           <p:nvPr>
-            <p:ph idx="12" type="sldNum"/>
+            <p:ph type="sldNum" idx="12"/>
           </p:nvPr>
         </p:nvSpPr>
         <p:spPr>
@@ -1782,7 +1772,7 @@
           </a:prstGeom>
         </p:spPr>
         <p:txBody>
-          <a:bodyPr anchorCtr="0" anchor="ctr" bIns="91425" lIns="91425" spcFirstLastPara="1" rIns="91425" wrap="square" tIns="91425">
+          <a:bodyPr spcFirstLastPara="1" wrap="square" lIns="91425" tIns="91425" rIns="91425" bIns="91425" anchor="ctr" anchorCtr="0">
             <a:noAutofit/>
           </a:bodyPr>
           <a:lstStyle>
@@ -1824,7 +1814,7 @@
             </a:lvl9pPr>
           </a:lstStyle>
           <a:p>
-            <a:pPr indent="0" lvl="0" marL="0" rtl="0" algn="r">
+            <a:pPr marL="0" lvl="0" indent="0" algn="r" rtl="0">
               <a:spcBef>
                 <a:spcPts val="0"/>
               </a:spcBef>
@@ -1834,10 +1824,9 @@
               <a:buNone/>
             </a:pPr>
             <a:fld id="{00000000-1234-1234-1234-123412341234}" type="slidenum">
-              <a:rPr lang="en"/>
-              <a:t>‹#›</a:t>
+              <a:rPr lang="en-GB"/>
             </a:fld>
-            <a:endParaRPr/>
+            <a:endParaRPr lang="en-GB"/>
           </a:p>
         </p:txBody>
       </p:sp>
@@ -1850,7 +1839,7 @@
 </file>
 
 <file path=ppt/slideLayouts/slideLayout3.xml><?xml version="1.0" encoding="utf-8"?>
-<p:sldLayout xmlns:a="http://schemas.openxmlformats.org/drawingml/2006/main" xmlns:r="http://schemas.openxmlformats.org/officeDocument/2006/relationships" xmlns:mc="http://schemas.openxmlformats.org/markup-compatibility/2006" xmlns:mv="urn:schemas-microsoft-com:mac:vml" xmlns:p="http://schemas.openxmlformats.org/presentationml/2006/main" xmlns:c="http://schemas.openxmlformats.org/drawingml/2006/chart" xmlns:dgm="http://schemas.openxmlformats.org/drawingml/2006/diagram" xmlns:o="urn:schemas-microsoft-com:office:office" xmlns:v="urn:schemas-microsoft-com:vml" xmlns:pvml="urn:schemas-microsoft-com:office:powerpoint" xmlns:com="http://schemas.openxmlformats.org/drawingml/2006/compatibility" xmlns:p14="http://schemas.microsoft.com/office/powerpoint/2010/main" xmlns:p15="http://schemas.microsoft.com/office/powerpoint/2012/main" matchingName="Title and body" type="tx">
+<p:sldLayout xmlns:a="http://schemas.openxmlformats.org/drawingml/2006/main" xmlns:r="http://schemas.openxmlformats.org/officeDocument/2006/relationships" xmlns:p="http://schemas.openxmlformats.org/presentationml/2006/main" type="tx" matchingName="Title and body">
   <p:cSld name="TITLE_AND_BODY">
     <p:spTree>
       <p:nvGrpSpPr>
@@ -1884,7 +1873,7 @@
           </a:prstGeom>
         </p:spPr>
         <p:txBody>
-          <a:bodyPr anchorCtr="0" anchor="t" bIns="91425" lIns="91425" spcFirstLastPara="1" rIns="91425" wrap="square" tIns="91425">
+          <a:bodyPr spcFirstLastPara="1" wrap="square" lIns="91425" tIns="91425" rIns="91425" bIns="91425" anchor="t" anchorCtr="0">
             <a:noAutofit/>
           </a:bodyPr>
           <a:lstStyle>
@@ -1996,7 +1985,7 @@
           <p:cNvPr id="18" name="Google Shape;18;p4"/>
           <p:cNvSpPr txBox="1"/>
           <p:nvPr>
-            <p:ph idx="1" type="body"/>
+            <p:ph type="body" idx="1"/>
           </p:nvPr>
         </p:nvSpPr>
         <p:spPr>
@@ -2009,11 +1998,11 @@
           </a:prstGeom>
         </p:spPr>
         <p:txBody>
-          <a:bodyPr anchorCtr="0" anchor="t" bIns="91425" lIns="91425" spcFirstLastPara="1" rIns="91425" wrap="square" tIns="91425">
+          <a:bodyPr spcFirstLastPara="1" wrap="square" lIns="91425" tIns="91425" rIns="91425" bIns="91425" anchor="t" anchorCtr="0">
             <a:noAutofit/>
           </a:bodyPr>
           <a:lstStyle>
-            <a:lvl1pPr indent="-342900" lvl="0" marL="457200">
+            <a:lvl1pPr marL="457200" lvl="0" indent="-342900">
               <a:spcBef>
                 <a:spcPts val="0"/>
               </a:spcBef>
@@ -2024,7 +2013,7 @@
               <a:buChar char="●"/>
               <a:defRPr/>
             </a:lvl1pPr>
-            <a:lvl2pPr indent="-317500" lvl="1" marL="914400">
+            <a:lvl2pPr marL="914400" lvl="1" indent="-317500">
               <a:spcBef>
                 <a:spcPts val="1600"/>
               </a:spcBef>
@@ -2035,7 +2024,7 @@
               <a:buChar char="○"/>
               <a:defRPr/>
             </a:lvl2pPr>
-            <a:lvl3pPr indent="-317500" lvl="2" marL="1371600">
+            <a:lvl3pPr marL="1371600" lvl="2" indent="-317500">
               <a:spcBef>
                 <a:spcPts val="1600"/>
               </a:spcBef>
@@ -2046,7 +2035,7 @@
               <a:buChar char="■"/>
               <a:defRPr/>
             </a:lvl3pPr>
-            <a:lvl4pPr indent="-317500" lvl="3" marL="1828800">
+            <a:lvl4pPr marL="1828800" lvl="3" indent="-317500">
               <a:spcBef>
                 <a:spcPts val="1600"/>
               </a:spcBef>
@@ -2057,7 +2046,7 @@
               <a:buChar char="●"/>
               <a:defRPr/>
             </a:lvl4pPr>
-            <a:lvl5pPr indent="-317500" lvl="4" marL="2286000">
+            <a:lvl5pPr marL="2286000" lvl="4" indent="-317500">
               <a:spcBef>
                 <a:spcPts val="1600"/>
               </a:spcBef>
@@ -2068,7 +2057,7 @@
               <a:buChar char="○"/>
               <a:defRPr/>
             </a:lvl5pPr>
-            <a:lvl6pPr indent="-317500" lvl="5" marL="2743200">
+            <a:lvl6pPr marL="2743200" lvl="5" indent="-317500">
               <a:spcBef>
                 <a:spcPts val="1600"/>
               </a:spcBef>
@@ -2079,7 +2068,7 @@
               <a:buChar char="■"/>
               <a:defRPr/>
             </a:lvl6pPr>
-            <a:lvl7pPr indent="-317500" lvl="6" marL="3200400">
+            <a:lvl7pPr marL="3200400" lvl="6" indent="-317500">
               <a:spcBef>
                 <a:spcPts val="1600"/>
               </a:spcBef>
@@ -2090,7 +2079,7 @@
               <a:buChar char="●"/>
               <a:defRPr/>
             </a:lvl7pPr>
-            <a:lvl8pPr indent="-317500" lvl="7" marL="3657600">
+            <a:lvl8pPr marL="3657600" lvl="7" indent="-317500">
               <a:spcBef>
                 <a:spcPts val="1600"/>
               </a:spcBef>
@@ -2101,7 +2090,7 @@
               <a:buChar char="○"/>
               <a:defRPr/>
             </a:lvl8pPr>
-            <a:lvl9pPr indent="-317500" lvl="8" marL="4114800">
+            <a:lvl9pPr marL="4114800" lvl="8" indent="-317500">
               <a:spcBef>
                 <a:spcPts val="1600"/>
               </a:spcBef>
@@ -2121,7 +2110,7 @@
           <p:cNvPr id="19" name="Google Shape;19;p4"/>
           <p:cNvSpPr txBox="1"/>
           <p:nvPr>
-            <p:ph idx="12" type="sldNum"/>
+            <p:ph type="sldNum" idx="12"/>
           </p:nvPr>
         </p:nvSpPr>
         <p:spPr>
@@ -2134,7 +2123,7 @@
           </a:prstGeom>
         </p:spPr>
         <p:txBody>
-          <a:bodyPr anchorCtr="0" anchor="ctr" bIns="91425" lIns="91425" spcFirstLastPara="1" rIns="91425" wrap="square" tIns="91425">
+          <a:bodyPr spcFirstLastPara="1" wrap="square" lIns="91425" tIns="91425" rIns="91425" bIns="91425" anchor="ctr" anchorCtr="0">
             <a:noAutofit/>
           </a:bodyPr>
           <a:lstStyle>
@@ -2176,7 +2165,7 @@
             </a:lvl9pPr>
           </a:lstStyle>
           <a:p>
-            <a:pPr indent="0" lvl="0" marL="0" rtl="0" algn="r">
+            <a:pPr marL="0" lvl="0" indent="0" algn="r" rtl="0">
               <a:spcBef>
                 <a:spcPts val="0"/>
               </a:spcBef>
@@ -2186,10 +2175,9 @@
               <a:buNone/>
             </a:pPr>
             <a:fld id="{00000000-1234-1234-1234-123412341234}" type="slidenum">
-              <a:rPr lang="en"/>
-              <a:t>‹#›</a:t>
+              <a:rPr lang="en-GB"/>
             </a:fld>
-            <a:endParaRPr/>
+            <a:endParaRPr lang="en-GB"/>
           </a:p>
         </p:txBody>
       </p:sp>
@@ -2202,7 +2190,7 @@
 </file>
 
 <file path=ppt/slideLayouts/slideLayout4.xml><?xml version="1.0" encoding="utf-8"?>
-<p:sldLayout xmlns:a="http://schemas.openxmlformats.org/drawingml/2006/main" xmlns:r="http://schemas.openxmlformats.org/officeDocument/2006/relationships" xmlns:mc="http://schemas.openxmlformats.org/markup-compatibility/2006" xmlns:mv="urn:schemas-microsoft-com:mac:vml" xmlns:p="http://schemas.openxmlformats.org/presentationml/2006/main" xmlns:c="http://schemas.openxmlformats.org/drawingml/2006/chart" xmlns:dgm="http://schemas.openxmlformats.org/drawingml/2006/diagram" xmlns:o="urn:schemas-microsoft-com:office:office" xmlns:v="urn:schemas-microsoft-com:vml" xmlns:pvml="urn:schemas-microsoft-com:office:powerpoint" xmlns:com="http://schemas.openxmlformats.org/drawingml/2006/compatibility" xmlns:p14="http://schemas.microsoft.com/office/powerpoint/2010/main" xmlns:p15="http://schemas.microsoft.com/office/powerpoint/2012/main" matchingName="Title and two columns" type="twoColTx">
+<p:sldLayout xmlns:a="http://schemas.openxmlformats.org/drawingml/2006/main" xmlns:r="http://schemas.openxmlformats.org/officeDocument/2006/relationships" xmlns:p="http://schemas.openxmlformats.org/presentationml/2006/main" type="twoColTx" matchingName="Title and two columns">
   <p:cSld name="TITLE_AND_TWO_COLUMNS">
     <p:spTree>
       <p:nvGrpSpPr>
@@ -2236,7 +2224,7 @@
           </a:prstGeom>
         </p:spPr>
         <p:txBody>
-          <a:bodyPr anchorCtr="0" anchor="t" bIns="91425" lIns="91425" spcFirstLastPara="1" rIns="91425" wrap="square" tIns="91425">
+          <a:bodyPr spcFirstLastPara="1" wrap="square" lIns="91425" tIns="91425" rIns="91425" bIns="91425" anchor="t" anchorCtr="0">
             <a:noAutofit/>
           </a:bodyPr>
           <a:lstStyle>
@@ -2348,7 +2336,7 @@
           <p:cNvPr id="22" name="Google Shape;22;p5"/>
           <p:cNvSpPr txBox="1"/>
           <p:nvPr>
-            <p:ph idx="1" type="body"/>
+            <p:ph type="body" idx="1"/>
           </p:nvPr>
         </p:nvSpPr>
         <p:spPr>
@@ -2361,11 +2349,11 @@
           </a:prstGeom>
         </p:spPr>
         <p:txBody>
-          <a:bodyPr anchorCtr="0" anchor="t" bIns="91425" lIns="91425" spcFirstLastPara="1" rIns="91425" wrap="square" tIns="91425">
+          <a:bodyPr spcFirstLastPara="1" wrap="square" lIns="91425" tIns="91425" rIns="91425" bIns="91425" anchor="t" anchorCtr="0">
             <a:noAutofit/>
           </a:bodyPr>
           <a:lstStyle>
-            <a:lvl1pPr indent="-317500" lvl="0" marL="457200">
+            <a:lvl1pPr marL="457200" lvl="0" indent="-317500">
               <a:spcBef>
                 <a:spcPts val="0"/>
               </a:spcBef>
@@ -2376,7 +2364,7 @@
               <a:buChar char="●"/>
               <a:defRPr sz="1400"/>
             </a:lvl1pPr>
-            <a:lvl2pPr indent="-304800" lvl="1" marL="914400">
+            <a:lvl2pPr marL="914400" lvl="1" indent="-304800">
               <a:spcBef>
                 <a:spcPts val="1600"/>
               </a:spcBef>
@@ -2387,7 +2375,7 @@
               <a:buChar char="○"/>
               <a:defRPr sz="1200"/>
             </a:lvl2pPr>
-            <a:lvl3pPr indent="-304800" lvl="2" marL="1371600">
+            <a:lvl3pPr marL="1371600" lvl="2" indent="-304800">
               <a:spcBef>
                 <a:spcPts val="1600"/>
               </a:spcBef>
@@ -2398,7 +2386,7 @@
               <a:buChar char="■"/>
               <a:defRPr sz="1200"/>
             </a:lvl3pPr>
-            <a:lvl4pPr indent="-304800" lvl="3" marL="1828800">
+            <a:lvl4pPr marL="1828800" lvl="3" indent="-304800">
               <a:spcBef>
                 <a:spcPts val="1600"/>
               </a:spcBef>
@@ -2409,7 +2397,7 @@
               <a:buChar char="●"/>
               <a:defRPr sz="1200"/>
             </a:lvl4pPr>
-            <a:lvl5pPr indent="-304800" lvl="4" marL="2286000">
+            <a:lvl5pPr marL="2286000" lvl="4" indent="-304800">
               <a:spcBef>
                 <a:spcPts val="1600"/>
               </a:spcBef>
@@ -2420,7 +2408,7 @@
               <a:buChar char="○"/>
               <a:defRPr sz="1200"/>
             </a:lvl5pPr>
-            <a:lvl6pPr indent="-304800" lvl="5" marL="2743200">
+            <a:lvl6pPr marL="2743200" lvl="5" indent="-304800">
               <a:spcBef>
                 <a:spcPts val="1600"/>
               </a:spcBef>
@@ -2431,7 +2419,7 @@
               <a:buChar char="■"/>
               <a:defRPr sz="1200"/>
             </a:lvl6pPr>
-            <a:lvl7pPr indent="-304800" lvl="6" marL="3200400">
+            <a:lvl7pPr marL="3200400" lvl="6" indent="-304800">
               <a:spcBef>
                 <a:spcPts val="1600"/>
               </a:spcBef>
@@ -2442,7 +2430,7 @@
               <a:buChar char="●"/>
               <a:defRPr sz="1200"/>
             </a:lvl7pPr>
-            <a:lvl8pPr indent="-304800" lvl="7" marL="3657600">
+            <a:lvl8pPr marL="3657600" lvl="7" indent="-304800">
               <a:spcBef>
                 <a:spcPts val="1600"/>
               </a:spcBef>
@@ -2453,7 +2441,7 @@
               <a:buChar char="○"/>
               <a:defRPr sz="1200"/>
             </a:lvl8pPr>
-            <a:lvl9pPr indent="-304800" lvl="8" marL="4114800">
+            <a:lvl9pPr marL="4114800" lvl="8" indent="-304800">
               <a:spcBef>
                 <a:spcPts val="1600"/>
               </a:spcBef>
@@ -2473,7 +2461,7 @@
           <p:cNvPr id="23" name="Google Shape;23;p5"/>
           <p:cNvSpPr txBox="1"/>
           <p:nvPr>
-            <p:ph idx="2" type="body"/>
+            <p:ph type="body" idx="2"/>
           </p:nvPr>
         </p:nvSpPr>
         <p:spPr>
@@ -2486,11 +2474,11 @@
           </a:prstGeom>
         </p:spPr>
         <p:txBody>
-          <a:bodyPr anchorCtr="0" anchor="t" bIns="91425" lIns="91425" spcFirstLastPara="1" rIns="91425" wrap="square" tIns="91425">
+          <a:bodyPr spcFirstLastPara="1" wrap="square" lIns="91425" tIns="91425" rIns="91425" bIns="91425" anchor="t" anchorCtr="0">
             <a:noAutofit/>
           </a:bodyPr>
           <a:lstStyle>
-            <a:lvl1pPr indent="-317500" lvl="0" marL="457200">
+            <a:lvl1pPr marL="457200" lvl="0" indent="-317500">
               <a:spcBef>
                 <a:spcPts val="0"/>
               </a:spcBef>
@@ -2501,7 +2489,7 @@
               <a:buChar char="●"/>
               <a:defRPr sz="1400"/>
             </a:lvl1pPr>
-            <a:lvl2pPr indent="-304800" lvl="1" marL="914400">
+            <a:lvl2pPr marL="914400" lvl="1" indent="-304800">
               <a:spcBef>
                 <a:spcPts val="1600"/>
               </a:spcBef>
@@ -2512,7 +2500,7 @@
               <a:buChar char="○"/>
               <a:defRPr sz="1200"/>
             </a:lvl2pPr>
-            <a:lvl3pPr indent="-304800" lvl="2" marL="1371600">
+            <a:lvl3pPr marL="1371600" lvl="2" indent="-304800">
               <a:spcBef>
                 <a:spcPts val="1600"/>
               </a:spcBef>
@@ -2523,7 +2511,7 @@
               <a:buChar char="■"/>
               <a:defRPr sz="1200"/>
             </a:lvl3pPr>
-            <a:lvl4pPr indent="-304800" lvl="3" marL="1828800">
+            <a:lvl4pPr marL="1828800" lvl="3" indent="-304800">
               <a:spcBef>
                 <a:spcPts val="1600"/>
               </a:spcBef>
@@ -2534,7 +2522,7 @@
               <a:buChar char="●"/>
               <a:defRPr sz="1200"/>
             </a:lvl4pPr>
-            <a:lvl5pPr indent="-304800" lvl="4" marL="2286000">
+            <a:lvl5pPr marL="2286000" lvl="4" indent="-304800">
               <a:spcBef>
                 <a:spcPts val="1600"/>
               </a:spcBef>
@@ -2545,7 +2533,7 @@
               <a:buChar char="○"/>
               <a:defRPr sz="1200"/>
             </a:lvl5pPr>
-            <a:lvl6pPr indent="-304800" lvl="5" marL="2743200">
+            <a:lvl6pPr marL="2743200" lvl="5" indent="-304800">
               <a:spcBef>
                 <a:spcPts val="1600"/>
               </a:spcBef>
@@ -2556,7 +2544,7 @@
               <a:buChar char="■"/>
               <a:defRPr sz="1200"/>
             </a:lvl6pPr>
-            <a:lvl7pPr indent="-304800" lvl="6" marL="3200400">
+            <a:lvl7pPr marL="3200400" lvl="6" indent="-304800">
               <a:spcBef>
                 <a:spcPts val="1600"/>
               </a:spcBef>
@@ -2567,7 +2555,7 @@
               <a:buChar char="●"/>
               <a:defRPr sz="1200"/>
             </a:lvl7pPr>
-            <a:lvl8pPr indent="-304800" lvl="7" marL="3657600">
+            <a:lvl8pPr marL="3657600" lvl="7" indent="-304800">
               <a:spcBef>
                 <a:spcPts val="1600"/>
               </a:spcBef>
@@ -2578,7 +2566,7 @@
               <a:buChar char="○"/>
               <a:defRPr sz="1200"/>
             </a:lvl8pPr>
-            <a:lvl9pPr indent="-304800" lvl="8" marL="4114800">
+            <a:lvl9pPr marL="4114800" lvl="8" indent="-304800">
               <a:spcBef>
                 <a:spcPts val="1600"/>
               </a:spcBef>
@@ -2598,7 +2586,7 @@
           <p:cNvPr id="24" name="Google Shape;24;p5"/>
           <p:cNvSpPr txBox="1"/>
           <p:nvPr>
-            <p:ph idx="12" type="sldNum"/>
+            <p:ph type="sldNum" idx="12"/>
           </p:nvPr>
         </p:nvSpPr>
         <p:spPr>
@@ -2611,7 +2599,7 @@
           </a:prstGeom>
         </p:spPr>
         <p:txBody>
-          <a:bodyPr anchorCtr="0" anchor="ctr" bIns="91425" lIns="91425" spcFirstLastPara="1" rIns="91425" wrap="square" tIns="91425">
+          <a:bodyPr spcFirstLastPara="1" wrap="square" lIns="91425" tIns="91425" rIns="91425" bIns="91425" anchor="ctr" anchorCtr="0">
             <a:noAutofit/>
           </a:bodyPr>
           <a:lstStyle>
@@ -2653,7 +2641,7 @@
             </a:lvl9pPr>
           </a:lstStyle>
           <a:p>
-            <a:pPr indent="0" lvl="0" marL="0" rtl="0" algn="r">
+            <a:pPr marL="0" lvl="0" indent="0" algn="r" rtl="0">
               <a:spcBef>
                 <a:spcPts val="0"/>
               </a:spcBef>
@@ -2663,10 +2651,9 @@
               <a:buNone/>
             </a:pPr>
             <a:fld id="{00000000-1234-1234-1234-123412341234}" type="slidenum">
-              <a:rPr lang="en"/>
-              <a:t>‹#›</a:t>
+              <a:rPr lang="en-GB"/>
             </a:fld>
-            <a:endParaRPr/>
+            <a:endParaRPr lang="en-GB"/>
           </a:p>
         </p:txBody>
       </p:sp>
@@ -2679,7 +2666,7 @@
 </file>
 
 <file path=ppt/slideLayouts/slideLayout5.xml><?xml version="1.0" encoding="utf-8"?>
-<p:sldLayout xmlns:a="http://schemas.openxmlformats.org/drawingml/2006/main" xmlns:r="http://schemas.openxmlformats.org/officeDocument/2006/relationships" xmlns:mc="http://schemas.openxmlformats.org/markup-compatibility/2006" xmlns:mv="urn:schemas-microsoft-com:mac:vml" xmlns:p="http://schemas.openxmlformats.org/presentationml/2006/main" xmlns:c="http://schemas.openxmlformats.org/drawingml/2006/chart" xmlns:dgm="http://schemas.openxmlformats.org/drawingml/2006/diagram" xmlns:o="urn:schemas-microsoft-com:office:office" xmlns:v="urn:schemas-microsoft-com:vml" xmlns:pvml="urn:schemas-microsoft-com:office:powerpoint" xmlns:com="http://schemas.openxmlformats.org/drawingml/2006/compatibility" xmlns:p14="http://schemas.microsoft.com/office/powerpoint/2010/main" xmlns:p15="http://schemas.microsoft.com/office/powerpoint/2012/main" matchingName="Title only" type="titleOnly">
+<p:sldLayout xmlns:a="http://schemas.openxmlformats.org/drawingml/2006/main" xmlns:r="http://schemas.openxmlformats.org/officeDocument/2006/relationships" xmlns:p="http://schemas.openxmlformats.org/presentationml/2006/main" type="titleOnly" matchingName="Title only">
   <p:cSld name="TITLE_ONLY">
     <p:spTree>
       <p:nvGrpSpPr>
@@ -2713,7 +2700,7 @@
           </a:prstGeom>
         </p:spPr>
         <p:txBody>
-          <a:bodyPr anchorCtr="0" anchor="t" bIns="91425" lIns="91425" spcFirstLastPara="1" rIns="91425" wrap="square" tIns="91425">
+          <a:bodyPr spcFirstLastPara="1" wrap="square" lIns="91425" tIns="91425" rIns="91425" bIns="91425" anchor="t" anchorCtr="0">
             <a:noAutofit/>
           </a:bodyPr>
           <a:lstStyle>
@@ -2825,7 +2812,7 @@
           <p:cNvPr id="27" name="Google Shape;27;p6"/>
           <p:cNvSpPr txBox="1"/>
           <p:nvPr>
-            <p:ph idx="12" type="sldNum"/>
+            <p:ph type="sldNum" idx="12"/>
           </p:nvPr>
         </p:nvSpPr>
         <p:spPr>
@@ -2838,7 +2825,7 @@
           </a:prstGeom>
         </p:spPr>
         <p:txBody>
-          <a:bodyPr anchorCtr="0" anchor="ctr" bIns="91425" lIns="91425" spcFirstLastPara="1" rIns="91425" wrap="square" tIns="91425">
+          <a:bodyPr spcFirstLastPara="1" wrap="square" lIns="91425" tIns="91425" rIns="91425" bIns="91425" anchor="ctr" anchorCtr="0">
             <a:noAutofit/>
           </a:bodyPr>
           <a:lstStyle>
@@ -2880,7 +2867,7 @@
             </a:lvl9pPr>
           </a:lstStyle>
           <a:p>
-            <a:pPr indent="0" lvl="0" marL="0" rtl="0" algn="r">
+            <a:pPr marL="0" lvl="0" indent="0" algn="r" rtl="0">
               <a:spcBef>
                 <a:spcPts val="0"/>
               </a:spcBef>
@@ -2890,10 +2877,9 @@
               <a:buNone/>
             </a:pPr>
             <a:fld id="{00000000-1234-1234-1234-123412341234}" type="slidenum">
-              <a:rPr lang="en"/>
-              <a:t>‹#›</a:t>
+              <a:rPr lang="en-GB"/>
             </a:fld>
-            <a:endParaRPr/>
+            <a:endParaRPr lang="en-GB"/>
           </a:p>
         </p:txBody>
       </p:sp>
@@ -2906,7 +2892,7 @@
 </file>
 
 <file path=ppt/slideLayouts/slideLayout6.xml><?xml version="1.0" encoding="utf-8"?>
-<p:sldLayout xmlns:a="http://schemas.openxmlformats.org/drawingml/2006/main" xmlns:r="http://schemas.openxmlformats.org/officeDocument/2006/relationships" xmlns:mc="http://schemas.openxmlformats.org/markup-compatibility/2006" xmlns:mv="urn:schemas-microsoft-com:mac:vml" xmlns:p="http://schemas.openxmlformats.org/presentationml/2006/main" xmlns:c="http://schemas.openxmlformats.org/drawingml/2006/chart" xmlns:dgm="http://schemas.openxmlformats.org/drawingml/2006/diagram" xmlns:o="urn:schemas-microsoft-com:office:office" xmlns:v="urn:schemas-microsoft-com:vml" xmlns:pvml="urn:schemas-microsoft-com:office:powerpoint" xmlns:com="http://schemas.openxmlformats.org/drawingml/2006/compatibility" xmlns:p14="http://schemas.microsoft.com/office/powerpoint/2010/main" xmlns:p15="http://schemas.microsoft.com/office/powerpoint/2012/main" matchingName="One column text">
+<p:sldLayout xmlns:a="http://schemas.openxmlformats.org/drawingml/2006/main" xmlns:r="http://schemas.openxmlformats.org/officeDocument/2006/relationships" xmlns:p="http://schemas.openxmlformats.org/presentationml/2006/main" matchingName="One column text">
   <p:cSld name="ONE_COLUMN_TEXT">
     <p:spTree>
       <p:nvGrpSpPr>
@@ -2940,7 +2926,7 @@
           </a:prstGeom>
         </p:spPr>
         <p:txBody>
-          <a:bodyPr anchorCtr="0" anchor="b" bIns="91425" lIns="91425" spcFirstLastPara="1" rIns="91425" wrap="square" tIns="91425">
+          <a:bodyPr spcFirstLastPara="1" wrap="square" lIns="91425" tIns="91425" rIns="91425" bIns="91425" anchor="b" anchorCtr="0">
             <a:noAutofit/>
           </a:bodyPr>
           <a:lstStyle>
@@ -3052,7 +3038,7 @@
           <p:cNvPr id="30" name="Google Shape;30;p7"/>
           <p:cNvSpPr txBox="1"/>
           <p:nvPr>
-            <p:ph idx="1" type="body"/>
+            <p:ph type="body" idx="1"/>
           </p:nvPr>
         </p:nvSpPr>
         <p:spPr>
@@ -3065,11 +3051,11 @@
           </a:prstGeom>
         </p:spPr>
         <p:txBody>
-          <a:bodyPr anchorCtr="0" anchor="t" bIns="91425" lIns="91425" spcFirstLastPara="1" rIns="91425" wrap="square" tIns="91425">
+          <a:bodyPr spcFirstLastPara="1" wrap="square" lIns="91425" tIns="91425" rIns="91425" bIns="91425" anchor="t" anchorCtr="0">
             <a:noAutofit/>
           </a:bodyPr>
           <a:lstStyle>
-            <a:lvl1pPr indent="-304800" lvl="0" marL="457200">
+            <a:lvl1pPr marL="457200" lvl="0" indent="-304800">
               <a:spcBef>
                 <a:spcPts val="0"/>
               </a:spcBef>
@@ -3080,7 +3066,7 @@
               <a:buChar char="●"/>
               <a:defRPr sz="1200"/>
             </a:lvl1pPr>
-            <a:lvl2pPr indent="-304800" lvl="1" marL="914400">
+            <a:lvl2pPr marL="914400" lvl="1" indent="-304800">
               <a:spcBef>
                 <a:spcPts val="1600"/>
               </a:spcBef>
@@ -3091,7 +3077,7 @@
               <a:buChar char="○"/>
               <a:defRPr sz="1200"/>
             </a:lvl2pPr>
-            <a:lvl3pPr indent="-304800" lvl="2" marL="1371600">
+            <a:lvl3pPr marL="1371600" lvl="2" indent="-304800">
               <a:spcBef>
                 <a:spcPts val="1600"/>
               </a:spcBef>
@@ -3102,7 +3088,7 @@
               <a:buChar char="■"/>
               <a:defRPr sz="1200"/>
             </a:lvl3pPr>
-            <a:lvl4pPr indent="-304800" lvl="3" marL="1828800">
+            <a:lvl4pPr marL="1828800" lvl="3" indent="-304800">
               <a:spcBef>
                 <a:spcPts val="1600"/>
               </a:spcBef>
@@ -3113,7 +3099,7 @@
               <a:buChar char="●"/>
               <a:defRPr sz="1200"/>
             </a:lvl4pPr>
-            <a:lvl5pPr indent="-304800" lvl="4" marL="2286000">
+            <a:lvl5pPr marL="2286000" lvl="4" indent="-304800">
               <a:spcBef>
                 <a:spcPts val="1600"/>
               </a:spcBef>
@@ -3124,7 +3110,7 @@
               <a:buChar char="○"/>
               <a:defRPr sz="1200"/>
             </a:lvl5pPr>
-            <a:lvl6pPr indent="-304800" lvl="5" marL="2743200">
+            <a:lvl6pPr marL="2743200" lvl="5" indent="-304800">
               <a:spcBef>
                 <a:spcPts val="1600"/>
               </a:spcBef>
@@ -3135,7 +3121,7 @@
               <a:buChar char="■"/>
               <a:defRPr sz="1200"/>
             </a:lvl6pPr>
-            <a:lvl7pPr indent="-304800" lvl="6" marL="3200400">
+            <a:lvl7pPr marL="3200400" lvl="6" indent="-304800">
               <a:spcBef>
                 <a:spcPts val="1600"/>
               </a:spcBef>
@@ -3146,7 +3132,7 @@
               <a:buChar char="●"/>
               <a:defRPr sz="1200"/>
             </a:lvl7pPr>
-            <a:lvl8pPr indent="-304800" lvl="7" marL="3657600">
+            <a:lvl8pPr marL="3657600" lvl="7" indent="-304800">
               <a:spcBef>
                 <a:spcPts val="1600"/>
               </a:spcBef>
@@ -3157,7 +3143,7 @@
               <a:buChar char="○"/>
               <a:defRPr sz="1200"/>
             </a:lvl8pPr>
-            <a:lvl9pPr indent="-304800" lvl="8" marL="4114800">
+            <a:lvl9pPr marL="4114800" lvl="8" indent="-304800">
               <a:spcBef>
                 <a:spcPts val="1600"/>
               </a:spcBef>
@@ -3177,7 +3163,7 @@
           <p:cNvPr id="31" name="Google Shape;31;p7"/>
           <p:cNvSpPr txBox="1"/>
           <p:nvPr>
-            <p:ph idx="12" type="sldNum"/>
+            <p:ph type="sldNum" idx="12"/>
           </p:nvPr>
         </p:nvSpPr>
         <p:spPr>
@@ -3190,7 +3176,7 @@
           </a:prstGeom>
         </p:spPr>
         <p:txBody>
-          <a:bodyPr anchorCtr="0" anchor="ctr" bIns="91425" lIns="91425" spcFirstLastPara="1" rIns="91425" wrap="square" tIns="91425">
+          <a:bodyPr spcFirstLastPara="1" wrap="square" lIns="91425" tIns="91425" rIns="91425" bIns="91425" anchor="ctr" anchorCtr="0">
             <a:noAutofit/>
           </a:bodyPr>
           <a:lstStyle>
@@ -3232,7 +3218,7 @@
             </a:lvl9pPr>
           </a:lstStyle>
           <a:p>
-            <a:pPr indent="0" lvl="0" marL="0" rtl="0" algn="r">
+            <a:pPr marL="0" lvl="0" indent="0" algn="r" rtl="0">
               <a:spcBef>
                 <a:spcPts val="0"/>
               </a:spcBef>
@@ -3242,10 +3228,9 @@
               <a:buNone/>
             </a:pPr>
             <a:fld id="{00000000-1234-1234-1234-123412341234}" type="slidenum">
-              <a:rPr lang="en"/>
-              <a:t>‹#›</a:t>
+              <a:rPr lang="en-GB"/>
             </a:fld>
-            <a:endParaRPr/>
+            <a:endParaRPr lang="en-GB"/>
           </a:p>
         </p:txBody>
       </p:sp>
@@ -3258,7 +3243,7 @@
 </file>
 
 <file path=ppt/slideLayouts/slideLayout7.xml><?xml version="1.0" encoding="utf-8"?>
-<p:sldLayout xmlns:a="http://schemas.openxmlformats.org/drawingml/2006/main" xmlns:r="http://schemas.openxmlformats.org/officeDocument/2006/relationships" xmlns:mc="http://schemas.openxmlformats.org/markup-compatibility/2006" xmlns:mv="urn:schemas-microsoft-com:mac:vml" xmlns:p="http://schemas.openxmlformats.org/presentationml/2006/main" xmlns:c="http://schemas.openxmlformats.org/drawingml/2006/chart" xmlns:dgm="http://schemas.openxmlformats.org/drawingml/2006/diagram" xmlns:o="urn:schemas-microsoft-com:office:office" xmlns:v="urn:schemas-microsoft-com:vml" xmlns:pvml="urn:schemas-microsoft-com:office:powerpoint" xmlns:com="http://schemas.openxmlformats.org/drawingml/2006/compatibility" xmlns:p14="http://schemas.microsoft.com/office/powerpoint/2010/main" xmlns:p15="http://schemas.microsoft.com/office/powerpoint/2012/main" matchingName="Main point">
+<p:sldLayout xmlns:a="http://schemas.openxmlformats.org/drawingml/2006/main" xmlns:r="http://schemas.openxmlformats.org/officeDocument/2006/relationships" xmlns:p="http://schemas.openxmlformats.org/presentationml/2006/main" matchingName="Main point">
   <p:cSld name="MAIN_POINT">
     <p:spTree>
       <p:nvGrpSpPr>
@@ -3292,7 +3277,7 @@
           </a:prstGeom>
         </p:spPr>
         <p:txBody>
-          <a:bodyPr anchorCtr="0" anchor="ctr" bIns="91425" lIns="91425" spcFirstLastPara="1" rIns="91425" wrap="square" tIns="91425">
+          <a:bodyPr spcFirstLastPara="1" wrap="square" lIns="91425" tIns="91425" rIns="91425" bIns="91425" anchor="ctr" anchorCtr="0">
             <a:noAutofit/>
           </a:bodyPr>
           <a:lstStyle>
@@ -3404,7 +3389,7 @@
           <p:cNvPr id="34" name="Google Shape;34;p8"/>
           <p:cNvSpPr txBox="1"/>
           <p:nvPr>
-            <p:ph idx="12" type="sldNum"/>
+            <p:ph type="sldNum" idx="12"/>
           </p:nvPr>
         </p:nvSpPr>
         <p:spPr>
@@ -3417,7 +3402,7 @@
           </a:prstGeom>
         </p:spPr>
         <p:txBody>
-          <a:bodyPr anchorCtr="0" anchor="ctr" bIns="91425" lIns="91425" spcFirstLastPara="1" rIns="91425" wrap="square" tIns="91425">
+          <a:bodyPr spcFirstLastPara="1" wrap="square" lIns="91425" tIns="91425" rIns="91425" bIns="91425" anchor="ctr" anchorCtr="0">
             <a:noAutofit/>
           </a:bodyPr>
           <a:lstStyle>
@@ -3459,7 +3444,7 @@
             </a:lvl9pPr>
           </a:lstStyle>
           <a:p>
-            <a:pPr indent="0" lvl="0" marL="0" rtl="0" algn="r">
+            <a:pPr marL="0" lvl="0" indent="0" algn="r" rtl="0">
               <a:spcBef>
                 <a:spcPts val="0"/>
               </a:spcBef>
@@ -3469,10 +3454,9 @@
               <a:buNone/>
             </a:pPr>
             <a:fld id="{00000000-1234-1234-1234-123412341234}" type="slidenum">
-              <a:rPr lang="en"/>
-              <a:t>‹#›</a:t>
+              <a:rPr lang="en-GB"/>
             </a:fld>
-            <a:endParaRPr/>
+            <a:endParaRPr lang="en-GB"/>
           </a:p>
         </p:txBody>
       </p:sp>
@@ -3485,7 +3469,7 @@
 </file>
 
 <file path=ppt/slideLayouts/slideLayout8.xml><?xml version="1.0" encoding="utf-8"?>
-<p:sldLayout xmlns:a="http://schemas.openxmlformats.org/drawingml/2006/main" xmlns:r="http://schemas.openxmlformats.org/officeDocument/2006/relationships" xmlns:mc="http://schemas.openxmlformats.org/markup-compatibility/2006" xmlns:mv="urn:schemas-microsoft-com:mac:vml" xmlns:p="http://schemas.openxmlformats.org/presentationml/2006/main" xmlns:c="http://schemas.openxmlformats.org/drawingml/2006/chart" xmlns:dgm="http://schemas.openxmlformats.org/drawingml/2006/diagram" xmlns:o="urn:schemas-microsoft-com:office:office" xmlns:v="urn:schemas-microsoft-com:vml" xmlns:pvml="urn:schemas-microsoft-com:office:powerpoint" xmlns:com="http://schemas.openxmlformats.org/drawingml/2006/compatibility" xmlns:p14="http://schemas.microsoft.com/office/powerpoint/2010/main" xmlns:p15="http://schemas.microsoft.com/office/powerpoint/2012/main" matchingName="Section title and description">
+<p:sldLayout xmlns:a="http://schemas.openxmlformats.org/drawingml/2006/main" xmlns:r="http://schemas.openxmlformats.org/officeDocument/2006/relationships" xmlns:p="http://schemas.openxmlformats.org/presentationml/2006/main" matchingName="Section title and description">
   <p:cSld name="SECTION_TITLE_AND_DESCRIPTION">
     <p:spTree>
       <p:nvGrpSpPr>
@@ -3523,12 +3507,12 @@
           </a:ln>
         </p:spPr>
         <p:txBody>
-          <a:bodyPr anchorCtr="0" anchor="ctr" bIns="91425" lIns="91425" spcFirstLastPara="1" rIns="91425" wrap="square" tIns="91425">
+          <a:bodyPr spcFirstLastPara="1" wrap="square" lIns="91425" tIns="91425" rIns="91425" bIns="91425" anchor="ctr" anchorCtr="0">
             <a:noAutofit/>
           </a:bodyPr>
           <a:lstStyle/>
           <a:p>
-            <a:pPr indent="0" lvl="0" marL="0" rtl="0" algn="l">
+            <a:pPr marL="0" lvl="0" indent="0" algn="l" rtl="0">
               <a:spcBef>
                 <a:spcPts val="0"/>
               </a:spcBef>
@@ -3537,10 +3521,6 @@
               </a:spcAft>
               <a:buNone/>
             </a:pPr>
-            <a:r>
-              <a:t/>
-            </a:r>
-            <a:endParaRPr/>
           </a:p>
         </p:txBody>
       </p:sp>
@@ -3562,7 +3542,7 @@
           </a:prstGeom>
         </p:spPr>
         <p:txBody>
-          <a:bodyPr anchorCtr="0" anchor="b" bIns="91425" lIns="91425" spcFirstLastPara="1" rIns="91425" wrap="square" tIns="91425">
+          <a:bodyPr spcFirstLastPara="1" wrap="square" lIns="91425" tIns="91425" rIns="91425" bIns="91425" anchor="b" anchorCtr="0">
             <a:noAutofit/>
           </a:bodyPr>
           <a:lstStyle>
@@ -3674,7 +3654,7 @@
           <p:cNvPr id="38" name="Google Shape;38;p9"/>
           <p:cNvSpPr txBox="1"/>
           <p:nvPr>
-            <p:ph idx="1" type="subTitle"/>
+            <p:ph type="subTitle" idx="1"/>
           </p:nvPr>
         </p:nvSpPr>
         <p:spPr>
@@ -3687,7 +3667,7 @@
           </a:prstGeom>
         </p:spPr>
         <p:txBody>
-          <a:bodyPr anchorCtr="0" anchor="t" bIns="91425" lIns="91425" spcFirstLastPara="1" rIns="91425" wrap="square" tIns="91425">
+          <a:bodyPr spcFirstLastPara="1" wrap="square" lIns="91425" tIns="91425" rIns="91425" bIns="91425" anchor="t" anchorCtr="0">
             <a:noAutofit/>
           </a:bodyPr>
           <a:lstStyle>
@@ -3826,7 +3806,7 @@
           <p:cNvPr id="39" name="Google Shape;39;p9"/>
           <p:cNvSpPr txBox="1"/>
           <p:nvPr>
-            <p:ph idx="2" type="body"/>
+            <p:ph type="body" idx="2"/>
           </p:nvPr>
         </p:nvSpPr>
         <p:spPr>
@@ -3839,11 +3819,11 @@
           </a:prstGeom>
         </p:spPr>
         <p:txBody>
-          <a:bodyPr anchorCtr="0" anchor="ctr" bIns="91425" lIns="91425" spcFirstLastPara="1" rIns="91425" wrap="square" tIns="91425">
+          <a:bodyPr spcFirstLastPara="1" wrap="square" lIns="91425" tIns="91425" rIns="91425" bIns="91425" anchor="ctr" anchorCtr="0">
             <a:noAutofit/>
           </a:bodyPr>
           <a:lstStyle>
-            <a:lvl1pPr indent="-342900" lvl="0" marL="457200">
+            <a:lvl1pPr marL="457200" lvl="0" indent="-342900">
               <a:spcBef>
                 <a:spcPts val="0"/>
               </a:spcBef>
@@ -3854,7 +3834,7 @@
               <a:buChar char="●"/>
               <a:defRPr/>
             </a:lvl1pPr>
-            <a:lvl2pPr indent="-317500" lvl="1" marL="914400">
+            <a:lvl2pPr marL="914400" lvl="1" indent="-317500">
               <a:spcBef>
                 <a:spcPts val="1600"/>
               </a:spcBef>
@@ -3865,7 +3845,7 @@
               <a:buChar char="○"/>
               <a:defRPr/>
             </a:lvl2pPr>
-            <a:lvl3pPr indent="-317500" lvl="2" marL="1371600">
+            <a:lvl3pPr marL="1371600" lvl="2" indent="-317500">
               <a:spcBef>
                 <a:spcPts val="1600"/>
               </a:spcBef>
@@ -3876,7 +3856,7 @@
               <a:buChar char="■"/>
               <a:defRPr/>
             </a:lvl3pPr>
-            <a:lvl4pPr indent="-317500" lvl="3" marL="1828800">
+            <a:lvl4pPr marL="1828800" lvl="3" indent="-317500">
               <a:spcBef>
                 <a:spcPts val="1600"/>
               </a:spcBef>
@@ -3887,7 +3867,7 @@
               <a:buChar char="●"/>
               <a:defRPr/>
             </a:lvl4pPr>
-            <a:lvl5pPr indent="-317500" lvl="4" marL="2286000">
+            <a:lvl5pPr marL="2286000" lvl="4" indent="-317500">
               <a:spcBef>
                 <a:spcPts val="1600"/>
               </a:spcBef>
@@ -3898,7 +3878,7 @@
               <a:buChar char="○"/>
               <a:defRPr/>
             </a:lvl5pPr>
-            <a:lvl6pPr indent="-317500" lvl="5" marL="2743200">
+            <a:lvl6pPr marL="2743200" lvl="5" indent="-317500">
               <a:spcBef>
                 <a:spcPts val="1600"/>
               </a:spcBef>
@@ -3909,7 +3889,7 @@
               <a:buChar char="■"/>
               <a:defRPr/>
             </a:lvl6pPr>
-            <a:lvl7pPr indent="-317500" lvl="6" marL="3200400">
+            <a:lvl7pPr marL="3200400" lvl="6" indent="-317500">
               <a:spcBef>
                 <a:spcPts val="1600"/>
               </a:spcBef>
@@ -3920,7 +3900,7 @@
               <a:buChar char="●"/>
               <a:defRPr/>
             </a:lvl7pPr>
-            <a:lvl8pPr indent="-317500" lvl="7" marL="3657600">
+            <a:lvl8pPr marL="3657600" lvl="7" indent="-317500">
               <a:spcBef>
                 <a:spcPts val="1600"/>
               </a:spcBef>
@@ -3931,7 +3911,7 @@
               <a:buChar char="○"/>
               <a:defRPr/>
             </a:lvl8pPr>
-            <a:lvl9pPr indent="-317500" lvl="8" marL="4114800">
+            <a:lvl9pPr marL="4114800" lvl="8" indent="-317500">
               <a:spcBef>
                 <a:spcPts val="1600"/>
               </a:spcBef>
@@ -3951,7 +3931,7 @@
           <p:cNvPr id="40" name="Google Shape;40;p9"/>
           <p:cNvSpPr txBox="1"/>
           <p:nvPr>
-            <p:ph idx="12" type="sldNum"/>
+            <p:ph type="sldNum" idx="12"/>
           </p:nvPr>
         </p:nvSpPr>
         <p:spPr>
@@ -3964,7 +3944,7 @@
           </a:prstGeom>
         </p:spPr>
         <p:txBody>
-          <a:bodyPr anchorCtr="0" anchor="ctr" bIns="91425" lIns="91425" spcFirstLastPara="1" rIns="91425" wrap="square" tIns="91425">
+          <a:bodyPr spcFirstLastPara="1" wrap="square" lIns="91425" tIns="91425" rIns="91425" bIns="91425" anchor="ctr" anchorCtr="0">
             <a:noAutofit/>
           </a:bodyPr>
           <a:lstStyle>
@@ -4006,7 +3986,7 @@
             </a:lvl9pPr>
           </a:lstStyle>
           <a:p>
-            <a:pPr indent="0" lvl="0" marL="0" rtl="0" algn="r">
+            <a:pPr marL="0" lvl="0" indent="0" algn="r" rtl="0">
               <a:spcBef>
                 <a:spcPts val="0"/>
               </a:spcBef>
@@ -4016,10 +3996,9 @@
               <a:buNone/>
             </a:pPr>
             <a:fld id="{00000000-1234-1234-1234-123412341234}" type="slidenum">
-              <a:rPr lang="en"/>
-              <a:t>‹#›</a:t>
+              <a:rPr lang="en-GB"/>
             </a:fld>
-            <a:endParaRPr/>
+            <a:endParaRPr lang="en-GB"/>
           </a:p>
         </p:txBody>
       </p:sp>
@@ -4032,7 +4011,7 @@
 </file>
 
 <file path=ppt/slideLayouts/slideLayout9.xml><?xml version="1.0" encoding="utf-8"?>
-<p:sldLayout xmlns:a="http://schemas.openxmlformats.org/drawingml/2006/main" xmlns:r="http://schemas.openxmlformats.org/officeDocument/2006/relationships" xmlns:mc="http://schemas.openxmlformats.org/markup-compatibility/2006" xmlns:mv="urn:schemas-microsoft-com:mac:vml" xmlns:p="http://schemas.openxmlformats.org/presentationml/2006/main" xmlns:c="http://schemas.openxmlformats.org/drawingml/2006/chart" xmlns:dgm="http://schemas.openxmlformats.org/drawingml/2006/diagram" xmlns:o="urn:schemas-microsoft-com:office:office" xmlns:v="urn:schemas-microsoft-com:vml" xmlns:pvml="urn:schemas-microsoft-com:office:powerpoint" xmlns:com="http://schemas.openxmlformats.org/drawingml/2006/compatibility" xmlns:p14="http://schemas.microsoft.com/office/powerpoint/2010/main" xmlns:p15="http://schemas.microsoft.com/office/powerpoint/2012/main" matchingName="Caption">
+<p:sldLayout xmlns:a="http://schemas.openxmlformats.org/drawingml/2006/main" xmlns:r="http://schemas.openxmlformats.org/officeDocument/2006/relationships" xmlns:p="http://schemas.openxmlformats.org/presentationml/2006/main" matchingName="Caption">
   <p:cSld name="CAPTION_ONLY">
     <p:spTree>
       <p:nvGrpSpPr>
@@ -4053,7 +4032,7 @@
           <p:cNvPr id="42" name="Google Shape;42;p10"/>
           <p:cNvSpPr txBox="1"/>
           <p:nvPr>
-            <p:ph idx="1" type="body"/>
+            <p:ph type="body" idx="1"/>
           </p:nvPr>
         </p:nvSpPr>
         <p:spPr>
@@ -4066,11 +4045,11 @@
           </a:prstGeom>
         </p:spPr>
         <p:txBody>
-          <a:bodyPr anchorCtr="0" anchor="ctr" bIns="91425" lIns="91425" spcFirstLastPara="1" rIns="91425" wrap="square" tIns="91425">
+          <a:bodyPr spcFirstLastPara="1" wrap="square" lIns="91425" tIns="91425" rIns="91425" bIns="91425" anchor="ctr" anchorCtr="0">
             <a:noAutofit/>
           </a:bodyPr>
           <a:lstStyle>
-            <a:lvl1pPr indent="-228600" lvl="0" marL="457200">
+            <a:lvl1pPr marL="457200" lvl="0" indent="-228600">
               <a:lnSpc>
                 <a:spcPct val="100000"/>
               </a:lnSpc>
@@ -4093,7 +4072,7 @@
           <p:cNvPr id="43" name="Google Shape;43;p10"/>
           <p:cNvSpPr txBox="1"/>
           <p:nvPr>
-            <p:ph idx="12" type="sldNum"/>
+            <p:ph type="sldNum" idx="12"/>
           </p:nvPr>
         </p:nvSpPr>
         <p:spPr>
@@ -4106,7 +4085,7 @@
           </a:prstGeom>
         </p:spPr>
         <p:txBody>
-          <a:bodyPr anchorCtr="0" anchor="ctr" bIns="91425" lIns="91425" spcFirstLastPara="1" rIns="91425" wrap="square" tIns="91425">
+          <a:bodyPr spcFirstLastPara="1" wrap="square" lIns="91425" tIns="91425" rIns="91425" bIns="91425" anchor="ctr" anchorCtr="0">
             <a:noAutofit/>
           </a:bodyPr>
           <a:lstStyle>
@@ -4148,7 +4127,7 @@
             </a:lvl9pPr>
           </a:lstStyle>
           <a:p>
-            <a:pPr indent="0" lvl="0" marL="0" rtl="0" algn="r">
+            <a:pPr marL="0" lvl="0" indent="0" algn="r" rtl="0">
               <a:spcBef>
                 <a:spcPts val="0"/>
               </a:spcBef>
@@ -4158,10 +4137,9 @@
               <a:buNone/>
             </a:pPr>
             <a:fld id="{00000000-1234-1234-1234-123412341234}" type="slidenum">
-              <a:rPr lang="en"/>
-              <a:t>‹#›</a:t>
+              <a:rPr lang="en-GB"/>
             </a:fld>
-            <a:endParaRPr/>
+            <a:endParaRPr lang="en-GB"/>
           </a:p>
         </p:txBody>
       </p:sp>
@@ -4174,13 +4152,14 @@
 </file>
 
 <file path=ppt/slideMasters/slideMaster1.xml><?xml version="1.0" encoding="utf-8"?>
-<p:sldMaster xmlns:a="http://schemas.openxmlformats.org/drawingml/2006/main" xmlns:r="http://schemas.openxmlformats.org/officeDocument/2006/relationships" xmlns:mc="http://schemas.openxmlformats.org/markup-compatibility/2006" xmlns:mv="urn:schemas-microsoft-com:mac:vml" xmlns:p="http://schemas.openxmlformats.org/presentationml/2006/main" xmlns:c="http://schemas.openxmlformats.org/drawingml/2006/chart" xmlns:dgm="http://schemas.openxmlformats.org/drawingml/2006/diagram" xmlns:o="urn:schemas-microsoft-com:office:office" xmlns:v="urn:schemas-microsoft-com:vml" xmlns:pvml="urn:schemas-microsoft-com:office:powerpoint" xmlns:com="http://schemas.openxmlformats.org/drawingml/2006/compatibility" xmlns:p14="http://schemas.microsoft.com/office/powerpoint/2010/main" xmlns:p15="http://schemas.microsoft.com/office/powerpoint/2012/main">
-  <p:cSld name="simple-light-2">
+<p:sldMaster xmlns:a="http://schemas.openxmlformats.org/drawingml/2006/main" xmlns:r="http://schemas.openxmlformats.org/officeDocument/2006/relationships" xmlns:p="http://schemas.openxmlformats.org/presentationml/2006/main">
+  <p:cSld>
     <p:bg>
       <p:bgPr>
         <a:solidFill>
           <a:schemeClr val="lt1"/>
         </a:solidFill>
+        <a:effectLst/>
       </p:bgPr>
     </p:bg>
     <p:spTree>
@@ -4219,7 +4198,7 @@
           </a:ln>
         </p:spPr>
         <p:txBody>
-          <a:bodyPr anchorCtr="0" anchor="t" bIns="91425" lIns="91425" spcFirstLastPara="1" rIns="91425" wrap="square" tIns="91425">
+          <a:bodyPr spcFirstLastPara="1" wrap="square" lIns="91425" tIns="91425" rIns="91425" bIns="91425" anchor="t" anchorCtr="0">
             <a:noAutofit/>
           </a:bodyPr>
           <a:lstStyle>
@@ -4394,7 +4373,7 @@
           <p:cNvPr id="7" name="Google Shape;7;p1"/>
           <p:cNvSpPr txBox="1"/>
           <p:nvPr>
-            <p:ph idx="1" type="body"/>
+            <p:ph type="body" idx="1"/>
           </p:nvPr>
         </p:nvSpPr>
         <p:spPr>
@@ -4411,11 +4390,11 @@
           </a:ln>
         </p:spPr>
         <p:txBody>
-          <a:bodyPr anchorCtr="0" anchor="t" bIns="91425" lIns="91425" spcFirstLastPara="1" rIns="91425" wrap="square" tIns="91425">
+          <a:bodyPr spcFirstLastPara="1" wrap="square" lIns="91425" tIns="91425" rIns="91425" bIns="91425" anchor="t" anchorCtr="0">
             <a:noAutofit/>
           </a:bodyPr>
           <a:lstStyle>
-            <a:lvl1pPr indent="-342900" lvl="0" marL="457200">
+            <a:lvl1pPr marL="457200" lvl="0" indent="-342900">
               <a:lnSpc>
                 <a:spcPct val="115000"/>
               </a:lnSpc>
@@ -4436,7 +4415,7 @@
                 </a:solidFill>
               </a:defRPr>
             </a:lvl1pPr>
-            <a:lvl2pPr indent="-317500" lvl="1" marL="914400">
+            <a:lvl2pPr marL="914400" lvl="1" indent="-317500">
               <a:lnSpc>
                 <a:spcPct val="115000"/>
               </a:lnSpc>
@@ -4457,7 +4436,7 @@
                 </a:solidFill>
               </a:defRPr>
             </a:lvl2pPr>
-            <a:lvl3pPr indent="-317500" lvl="2" marL="1371600">
+            <a:lvl3pPr marL="1371600" lvl="2" indent="-317500">
               <a:lnSpc>
                 <a:spcPct val="115000"/>
               </a:lnSpc>
@@ -4478,7 +4457,7 @@
                 </a:solidFill>
               </a:defRPr>
             </a:lvl3pPr>
-            <a:lvl4pPr indent="-317500" lvl="3" marL="1828800">
+            <a:lvl4pPr marL="1828800" lvl="3" indent="-317500">
               <a:lnSpc>
                 <a:spcPct val="115000"/>
               </a:lnSpc>
@@ -4499,7 +4478,7 @@
                 </a:solidFill>
               </a:defRPr>
             </a:lvl4pPr>
-            <a:lvl5pPr indent="-317500" lvl="4" marL="2286000">
+            <a:lvl5pPr marL="2286000" lvl="4" indent="-317500">
               <a:lnSpc>
                 <a:spcPct val="115000"/>
               </a:lnSpc>
@@ -4520,7 +4499,7 @@
                 </a:solidFill>
               </a:defRPr>
             </a:lvl5pPr>
-            <a:lvl6pPr indent="-317500" lvl="5" marL="2743200">
+            <a:lvl6pPr marL="2743200" lvl="5" indent="-317500">
               <a:lnSpc>
                 <a:spcPct val="115000"/>
               </a:lnSpc>
@@ -4541,7 +4520,7 @@
                 </a:solidFill>
               </a:defRPr>
             </a:lvl6pPr>
-            <a:lvl7pPr indent="-317500" lvl="6" marL="3200400">
+            <a:lvl7pPr marL="3200400" lvl="6" indent="-317500">
               <a:lnSpc>
                 <a:spcPct val="115000"/>
               </a:lnSpc>
@@ -4562,7 +4541,7 @@
                 </a:solidFill>
               </a:defRPr>
             </a:lvl7pPr>
-            <a:lvl8pPr indent="-317500" lvl="7" marL="3657600">
+            <a:lvl8pPr marL="3657600" lvl="7" indent="-317500">
               <a:lnSpc>
                 <a:spcPct val="115000"/>
               </a:lnSpc>
@@ -4583,7 +4562,7 @@
                 </a:solidFill>
               </a:defRPr>
             </a:lvl8pPr>
-            <a:lvl9pPr indent="-317500" lvl="8" marL="4114800">
+            <a:lvl9pPr marL="4114800" lvl="8" indent="-317500">
               <a:lnSpc>
                 <a:spcPct val="115000"/>
               </a:lnSpc>
@@ -4613,7 +4592,7 @@
           <p:cNvPr id="8" name="Google Shape;8;p1"/>
           <p:cNvSpPr txBox="1"/>
           <p:nvPr>
-            <p:ph idx="12" type="sldNum"/>
+            <p:ph type="sldNum" idx="12"/>
           </p:nvPr>
         </p:nvSpPr>
         <p:spPr>
@@ -4630,7 +4609,7 @@
           </a:ln>
         </p:spPr>
         <p:txBody>
-          <a:bodyPr anchorCtr="0" anchor="ctr" bIns="91425" lIns="91425" spcFirstLastPara="1" rIns="91425" wrap="square" tIns="91425">
+          <a:bodyPr spcFirstLastPara="1" wrap="square" lIns="91425" tIns="91425" rIns="91425" bIns="91425" anchor="ctr" anchorCtr="0">
             <a:noAutofit/>
           </a:bodyPr>
           <a:lstStyle>
@@ -4708,7 +4687,7 @@
             </a:lvl9pPr>
           </a:lstStyle>
           <a:p>
-            <a:pPr indent="0" lvl="0" marL="0" rtl="0" algn="r">
+            <a:pPr marL="0" lvl="0" indent="0" algn="r" rtl="0">
               <a:spcBef>
                 <a:spcPts val="0"/>
               </a:spcBef>
@@ -4718,33 +4697,32 @@
               <a:buNone/>
             </a:pPr>
             <a:fld id="{00000000-1234-1234-1234-123412341234}" type="slidenum">
-              <a:rPr lang="en"/>
-              <a:t>‹#›</a:t>
+              <a:rPr lang="en-GB"/>
             </a:fld>
-            <a:endParaRPr/>
+            <a:endParaRPr lang="en-GB"/>
           </a:p>
         </p:txBody>
       </p:sp>
     </p:spTree>
   </p:cSld>
-  <p:clrMap accent1="accent1" accent2="accent2" accent3="accent3" accent4="accent4" accent5="accent5" accent6="accent6" bg1="lt1" bg2="dk2" tx1="dk1" tx2="lt2" folHlink="folHlink" hlink="hlink"/>
+  <p:clrMap bg1="lt1" tx1="dk1" bg2="dk2" tx2="lt2" accent1="accent1" accent2="accent2" accent3="accent3" accent4="accent4" accent5="accent5" accent6="accent6" hlink="hlink" folHlink="folHlink"/>
   <p:sldLayoutIdLst>
-    <p:sldLayoutId id="2147483648" r:id="rId1"/>
-    <p:sldLayoutId id="2147483649" r:id="rId2"/>
-    <p:sldLayoutId id="2147483650" r:id="rId3"/>
-    <p:sldLayoutId id="2147483651" r:id="rId4"/>
-    <p:sldLayoutId id="2147483652" r:id="rId5"/>
-    <p:sldLayoutId id="2147483653" r:id="rId6"/>
-    <p:sldLayoutId id="2147483654" r:id="rId7"/>
-    <p:sldLayoutId id="2147483655" r:id="rId8"/>
-    <p:sldLayoutId id="2147483656" r:id="rId9"/>
-    <p:sldLayoutId id="2147483657" r:id="rId10"/>
-    <p:sldLayoutId id="2147483658" r:id="rId11"/>
+    <p:sldLayoutId id="2147483649" r:id="rId1"/>
+    <p:sldLayoutId id="2147483650" r:id="rId2"/>
+    <p:sldLayoutId id="2147483651" r:id="rId3"/>
+    <p:sldLayoutId id="2147483652" r:id="rId4"/>
+    <p:sldLayoutId id="2147483653" r:id="rId5"/>
+    <p:sldLayoutId id="2147483654" r:id="rId6"/>
+    <p:sldLayoutId id="2147483655" r:id="rId7"/>
+    <p:sldLayoutId id="2147483656" r:id="rId8"/>
+    <p:sldLayoutId id="2147483657" r:id="rId9"/>
+    <p:sldLayoutId id="2147483658" r:id="rId10"/>
+    <p:sldLayoutId id="2147483659" r:id="rId11"/>
   </p:sldLayoutIdLst>
-  <p:hf dt="0" ftr="0" hdr="0" sldNum="0"/>
+  <p:hf sldNum="0" hdr="0" ftr="0" dt="0"/>
   <p:txStyles>
     <p:titleStyle>
-      <a:defPPr lvl="0" marR="0" rtl="0" algn="l">
+      <a:defPPr marR="0" lvl="0" algn="l" rtl="0">
         <a:lnSpc>
           <a:spcPct val="100000"/>
         </a:lnSpc>
@@ -4755,7 +4733,7 @@
           <a:spcPts val="0"/>
         </a:spcAft>
       </a:defPPr>
-      <a:lvl1pPr lvl="0" marR="0" rtl="0" algn="l">
+      <a:lvl1pPr marR="0" lvl="0" algn="l" rtl="0">
         <a:lnSpc>
           <a:spcPct val="100000"/>
         </a:lnSpc>
@@ -4768,18 +4746,18 @@
         <a:buClr>
           <a:srgbClr val="000000"/>
         </a:buClr>
-        <a:buFont typeface="Arial"/>
-        <a:defRPr b="0" i="0" sz="1400" u="none" cap="none" strike="noStrike">
+        <a:buFont typeface="Arial" panose="020B0604020202020204"/>
+        <a:defRPr sz="1400" b="0" i="0" u="none" strike="noStrike" cap="none">
           <a:solidFill>
             <a:srgbClr val="000000"/>
           </a:solidFill>
-          <a:latin typeface="Arial"/>
-          <a:ea typeface="Arial"/>
-          <a:cs typeface="Arial"/>
-          <a:sym typeface="Arial"/>
+          <a:latin typeface="Arial" panose="020B0604020202020204"/>
+          <a:ea typeface="Arial" panose="020B0604020202020204"/>
+          <a:cs typeface="Arial" panose="020B0604020202020204"/>
+          <a:sym typeface="Arial" panose="020B0604020202020204"/>
         </a:defRPr>
       </a:lvl1pPr>
-      <a:lvl2pPr lvl="1" marR="0" rtl="0" algn="l">
+      <a:lvl2pPr marR="0" lvl="1" algn="l" rtl="0">
         <a:lnSpc>
           <a:spcPct val="100000"/>
         </a:lnSpc>
@@ -4792,18 +4770,18 @@
         <a:buClr>
           <a:srgbClr val="000000"/>
         </a:buClr>
-        <a:buFont typeface="Arial"/>
-        <a:defRPr b="0" i="0" sz="1400" u="none" cap="none" strike="noStrike">
+        <a:buFont typeface="Arial" panose="020B0604020202020204"/>
+        <a:defRPr sz="1400" b="0" i="0" u="none" strike="noStrike" cap="none">
           <a:solidFill>
             <a:srgbClr val="000000"/>
           </a:solidFill>
-          <a:latin typeface="Arial"/>
-          <a:ea typeface="Arial"/>
-          <a:cs typeface="Arial"/>
-          <a:sym typeface="Arial"/>
+          <a:latin typeface="Arial" panose="020B0604020202020204"/>
+          <a:ea typeface="Arial" panose="020B0604020202020204"/>
+          <a:cs typeface="Arial" panose="020B0604020202020204"/>
+          <a:sym typeface="Arial" panose="020B0604020202020204"/>
         </a:defRPr>
       </a:lvl2pPr>
-      <a:lvl3pPr lvl="2" marR="0" rtl="0" algn="l">
+      <a:lvl3pPr marR="0" lvl="2" algn="l" rtl="0">
         <a:lnSpc>
           <a:spcPct val="100000"/>
         </a:lnSpc>
@@ -4816,18 +4794,18 @@
         <a:buClr>
           <a:srgbClr val="000000"/>
         </a:buClr>
-        <a:buFont typeface="Arial"/>
-        <a:defRPr b="0" i="0" sz="1400" u="none" cap="none" strike="noStrike">
+        <a:buFont typeface="Arial" panose="020B0604020202020204"/>
+        <a:defRPr sz="1400" b="0" i="0" u="none" strike="noStrike" cap="none">
           <a:solidFill>
             <a:srgbClr val="000000"/>
           </a:solidFill>
-          <a:latin typeface="Arial"/>
-          <a:ea typeface="Arial"/>
-          <a:cs typeface="Arial"/>
-          <a:sym typeface="Arial"/>
+          <a:latin typeface="Arial" panose="020B0604020202020204"/>
+          <a:ea typeface="Arial" panose="020B0604020202020204"/>
+          <a:cs typeface="Arial" panose="020B0604020202020204"/>
+          <a:sym typeface="Arial" panose="020B0604020202020204"/>
         </a:defRPr>
       </a:lvl3pPr>
-      <a:lvl4pPr lvl="3" marR="0" rtl="0" algn="l">
+      <a:lvl4pPr marR="0" lvl="3" algn="l" rtl="0">
         <a:lnSpc>
           <a:spcPct val="100000"/>
         </a:lnSpc>
@@ -4840,18 +4818,18 @@
         <a:buClr>
           <a:srgbClr val="000000"/>
         </a:buClr>
-        <a:buFont typeface="Arial"/>
-        <a:defRPr b="0" i="0" sz="1400" u="none" cap="none" strike="noStrike">
+        <a:buFont typeface="Arial" panose="020B0604020202020204"/>
+        <a:defRPr sz="1400" b="0" i="0" u="none" strike="noStrike" cap="none">
           <a:solidFill>
             <a:srgbClr val="000000"/>
           </a:solidFill>
-          <a:latin typeface="Arial"/>
-          <a:ea typeface="Arial"/>
-          <a:cs typeface="Arial"/>
-          <a:sym typeface="Arial"/>
+          <a:latin typeface="Arial" panose="020B0604020202020204"/>
+          <a:ea typeface="Arial" panose="020B0604020202020204"/>
+          <a:cs typeface="Arial" panose="020B0604020202020204"/>
+          <a:sym typeface="Arial" panose="020B0604020202020204"/>
         </a:defRPr>
       </a:lvl4pPr>
-      <a:lvl5pPr lvl="4" marR="0" rtl="0" algn="l">
+      <a:lvl5pPr marR="0" lvl="4" algn="l" rtl="0">
         <a:lnSpc>
           <a:spcPct val="100000"/>
         </a:lnSpc>
@@ -4864,18 +4842,18 @@
         <a:buClr>
           <a:srgbClr val="000000"/>
         </a:buClr>
-        <a:buFont typeface="Arial"/>
-        <a:defRPr b="0" i="0" sz="1400" u="none" cap="none" strike="noStrike">
+        <a:buFont typeface="Arial" panose="020B0604020202020204"/>
+        <a:defRPr sz="1400" b="0" i="0" u="none" strike="noStrike" cap="none">
           <a:solidFill>
             <a:srgbClr val="000000"/>
           </a:solidFill>
-          <a:latin typeface="Arial"/>
-          <a:ea typeface="Arial"/>
-          <a:cs typeface="Arial"/>
-          <a:sym typeface="Arial"/>
+          <a:latin typeface="Arial" panose="020B0604020202020204"/>
+          <a:ea typeface="Arial" panose="020B0604020202020204"/>
+          <a:cs typeface="Arial" panose="020B0604020202020204"/>
+          <a:sym typeface="Arial" panose="020B0604020202020204"/>
         </a:defRPr>
       </a:lvl5pPr>
-      <a:lvl6pPr lvl="5" marR="0" rtl="0" algn="l">
+      <a:lvl6pPr marR="0" lvl="5" algn="l" rtl="0">
         <a:lnSpc>
           <a:spcPct val="100000"/>
         </a:lnSpc>
@@ -4888,18 +4866,18 @@
         <a:buClr>
           <a:srgbClr val="000000"/>
         </a:buClr>
-        <a:buFont typeface="Arial"/>
-        <a:defRPr b="0" i="0" sz="1400" u="none" cap="none" strike="noStrike">
+        <a:buFont typeface="Arial" panose="020B0604020202020204"/>
+        <a:defRPr sz="1400" b="0" i="0" u="none" strike="noStrike" cap="none">
           <a:solidFill>
             <a:srgbClr val="000000"/>
           </a:solidFill>
-          <a:latin typeface="Arial"/>
-          <a:ea typeface="Arial"/>
-          <a:cs typeface="Arial"/>
-          <a:sym typeface="Arial"/>
+          <a:latin typeface="Arial" panose="020B0604020202020204"/>
+          <a:ea typeface="Arial" panose="020B0604020202020204"/>
+          <a:cs typeface="Arial" panose="020B0604020202020204"/>
+          <a:sym typeface="Arial" panose="020B0604020202020204"/>
         </a:defRPr>
       </a:lvl6pPr>
-      <a:lvl7pPr lvl="6" marR="0" rtl="0" algn="l">
+      <a:lvl7pPr marR="0" lvl="6" algn="l" rtl="0">
         <a:lnSpc>
           <a:spcPct val="100000"/>
         </a:lnSpc>
@@ -4912,18 +4890,18 @@
         <a:buClr>
           <a:srgbClr val="000000"/>
         </a:buClr>
-        <a:buFont typeface="Arial"/>
-        <a:defRPr b="0" i="0" sz="1400" u="none" cap="none" strike="noStrike">
+        <a:buFont typeface="Arial" panose="020B0604020202020204"/>
+        <a:defRPr sz="1400" b="0" i="0" u="none" strike="noStrike" cap="none">
           <a:solidFill>
             <a:srgbClr val="000000"/>
           </a:solidFill>
-          <a:latin typeface="Arial"/>
-          <a:ea typeface="Arial"/>
-          <a:cs typeface="Arial"/>
-          <a:sym typeface="Arial"/>
+          <a:latin typeface="Arial" panose="020B0604020202020204"/>
+          <a:ea typeface="Arial" panose="020B0604020202020204"/>
+          <a:cs typeface="Arial" panose="020B0604020202020204"/>
+          <a:sym typeface="Arial" panose="020B0604020202020204"/>
         </a:defRPr>
       </a:lvl7pPr>
-      <a:lvl8pPr lvl="7" marR="0" rtl="0" algn="l">
+      <a:lvl8pPr marR="0" lvl="7" algn="l" rtl="0">
         <a:lnSpc>
           <a:spcPct val="100000"/>
         </a:lnSpc>
@@ -4936,18 +4914,18 @@
         <a:buClr>
           <a:srgbClr val="000000"/>
         </a:buClr>
-        <a:buFont typeface="Arial"/>
-        <a:defRPr b="0" i="0" sz="1400" u="none" cap="none" strike="noStrike">
+        <a:buFont typeface="Arial" panose="020B0604020202020204"/>
+        <a:defRPr sz="1400" b="0" i="0" u="none" strike="noStrike" cap="none">
           <a:solidFill>
             <a:srgbClr val="000000"/>
           </a:solidFill>
-          <a:latin typeface="Arial"/>
-          <a:ea typeface="Arial"/>
-          <a:cs typeface="Arial"/>
-          <a:sym typeface="Arial"/>
+          <a:latin typeface="Arial" panose="020B0604020202020204"/>
+          <a:ea typeface="Arial" panose="020B0604020202020204"/>
+          <a:cs typeface="Arial" panose="020B0604020202020204"/>
+          <a:sym typeface="Arial" panose="020B0604020202020204"/>
         </a:defRPr>
       </a:lvl8pPr>
-      <a:lvl9pPr lvl="8" marR="0" rtl="0" algn="l">
+      <a:lvl9pPr marR="0" lvl="8" algn="l" rtl="0">
         <a:lnSpc>
           <a:spcPct val="100000"/>
         </a:lnSpc>
@@ -4960,20 +4938,20 @@
         <a:buClr>
           <a:srgbClr val="000000"/>
         </a:buClr>
-        <a:buFont typeface="Arial"/>
-        <a:defRPr b="0" i="0" sz="1400" u="none" cap="none" strike="noStrike">
+        <a:buFont typeface="Arial" panose="020B0604020202020204"/>
+        <a:defRPr sz="1400" b="0" i="0" u="none" strike="noStrike" cap="none">
           <a:solidFill>
             <a:srgbClr val="000000"/>
           </a:solidFill>
-          <a:latin typeface="Arial"/>
-          <a:ea typeface="Arial"/>
-          <a:cs typeface="Arial"/>
-          <a:sym typeface="Arial"/>
+          <a:latin typeface="Arial" panose="020B0604020202020204"/>
+          <a:ea typeface="Arial" panose="020B0604020202020204"/>
+          <a:cs typeface="Arial" panose="020B0604020202020204"/>
+          <a:sym typeface="Arial" panose="020B0604020202020204"/>
         </a:defRPr>
       </a:lvl9pPr>
     </p:titleStyle>
     <p:bodyStyle>
-      <a:defPPr lvl="0" marR="0" rtl="0" algn="l">
+      <a:defPPr marR="0" lvl="0" algn="l" rtl="0">
         <a:lnSpc>
           <a:spcPct val="100000"/>
         </a:lnSpc>
@@ -4984,7 +4962,7 @@
           <a:spcPts val="0"/>
         </a:spcAft>
       </a:defPPr>
-      <a:lvl1pPr lvl="0" marR="0" rtl="0" algn="l">
+      <a:lvl1pPr marR="0" lvl="0" algn="l" rtl="0">
         <a:lnSpc>
           <a:spcPct val="100000"/>
         </a:lnSpc>
@@ -4997,18 +4975,18 @@
         <a:buClr>
           <a:srgbClr val="000000"/>
         </a:buClr>
-        <a:buFont typeface="Arial"/>
-        <a:defRPr b="0" i="0" sz="1400" u="none" cap="none" strike="noStrike">
+        <a:buFont typeface="Arial" panose="020B0604020202020204"/>
+        <a:defRPr sz="1400" b="0" i="0" u="none" strike="noStrike" cap="none">
           <a:solidFill>
             <a:srgbClr val="000000"/>
           </a:solidFill>
-          <a:latin typeface="Arial"/>
-          <a:ea typeface="Arial"/>
-          <a:cs typeface="Arial"/>
-          <a:sym typeface="Arial"/>
+          <a:latin typeface="Arial" panose="020B0604020202020204"/>
+          <a:ea typeface="Arial" panose="020B0604020202020204"/>
+          <a:cs typeface="Arial" panose="020B0604020202020204"/>
+          <a:sym typeface="Arial" panose="020B0604020202020204"/>
         </a:defRPr>
       </a:lvl1pPr>
-      <a:lvl2pPr lvl="1" marR="0" rtl="0" algn="l">
+      <a:lvl2pPr marR="0" lvl="1" algn="l" rtl="0">
         <a:lnSpc>
           <a:spcPct val="100000"/>
         </a:lnSpc>
@@ -5021,18 +4999,18 @@
         <a:buClr>
           <a:srgbClr val="000000"/>
         </a:buClr>
-        <a:buFont typeface="Arial"/>
-        <a:defRPr b="0" i="0" sz="1400" u="none" cap="none" strike="noStrike">
+        <a:buFont typeface="Arial" panose="020B0604020202020204"/>
+        <a:defRPr sz="1400" b="0" i="0" u="none" strike="noStrike" cap="none">
           <a:solidFill>
             <a:srgbClr val="000000"/>
           </a:solidFill>
-          <a:latin typeface="Arial"/>
-          <a:ea typeface="Arial"/>
-          <a:cs typeface="Arial"/>
-          <a:sym typeface="Arial"/>
+          <a:latin typeface="Arial" panose="020B0604020202020204"/>
+          <a:ea typeface="Arial" panose="020B0604020202020204"/>
+          <a:cs typeface="Arial" panose="020B0604020202020204"/>
+          <a:sym typeface="Arial" panose="020B0604020202020204"/>
         </a:defRPr>
       </a:lvl2pPr>
-      <a:lvl3pPr lvl="2" marR="0" rtl="0" algn="l">
+      <a:lvl3pPr marR="0" lvl="2" algn="l" rtl="0">
         <a:lnSpc>
           <a:spcPct val="100000"/>
         </a:lnSpc>
@@ -5045,18 +5023,18 @@
         <a:buClr>
           <a:srgbClr val="000000"/>
         </a:buClr>
-        <a:buFont typeface="Arial"/>
-        <a:defRPr b="0" i="0" sz="1400" u="none" cap="none" strike="noStrike">
+        <a:buFont typeface="Arial" panose="020B0604020202020204"/>
+        <a:defRPr sz="1400" b="0" i="0" u="none" strike="noStrike" cap="none">
           <a:solidFill>
             <a:srgbClr val="000000"/>
           </a:solidFill>
-          <a:latin typeface="Arial"/>
-          <a:ea typeface="Arial"/>
-          <a:cs typeface="Arial"/>
-          <a:sym typeface="Arial"/>
+          <a:latin typeface="Arial" panose="020B0604020202020204"/>
+          <a:ea typeface="Arial" panose="020B0604020202020204"/>
+          <a:cs typeface="Arial" panose="020B0604020202020204"/>
+          <a:sym typeface="Arial" panose="020B0604020202020204"/>
         </a:defRPr>
       </a:lvl3pPr>
-      <a:lvl4pPr lvl="3" marR="0" rtl="0" algn="l">
+      <a:lvl4pPr marR="0" lvl="3" algn="l" rtl="0">
         <a:lnSpc>
           <a:spcPct val="100000"/>
         </a:lnSpc>
@@ -5069,18 +5047,18 @@
         <a:buClr>
           <a:srgbClr val="000000"/>
         </a:buClr>
-        <a:buFont typeface="Arial"/>
-        <a:defRPr b="0" i="0" sz="1400" u="none" cap="none" strike="noStrike">
+        <a:buFont typeface="Arial" panose="020B0604020202020204"/>
+        <a:defRPr sz="1400" b="0" i="0" u="none" strike="noStrike" cap="none">
           <a:solidFill>
             <a:srgbClr val="000000"/>
           </a:solidFill>
-          <a:latin typeface="Arial"/>
-          <a:ea typeface="Arial"/>
-          <a:cs typeface="Arial"/>
-          <a:sym typeface="Arial"/>
+          <a:latin typeface="Arial" panose="020B0604020202020204"/>
+          <a:ea typeface="Arial" panose="020B0604020202020204"/>
+          <a:cs typeface="Arial" panose="020B0604020202020204"/>
+          <a:sym typeface="Arial" panose="020B0604020202020204"/>
         </a:defRPr>
       </a:lvl4pPr>
-      <a:lvl5pPr lvl="4" marR="0" rtl="0" algn="l">
+      <a:lvl5pPr marR="0" lvl="4" algn="l" rtl="0">
         <a:lnSpc>
           <a:spcPct val="100000"/>
         </a:lnSpc>
@@ -5093,18 +5071,18 @@
         <a:buClr>
           <a:srgbClr val="000000"/>
         </a:buClr>
-        <a:buFont typeface="Arial"/>
-        <a:defRPr b="0" i="0" sz="1400" u="none" cap="none" strike="noStrike">
+        <a:buFont typeface="Arial" panose="020B0604020202020204"/>
+        <a:defRPr sz="1400" b="0" i="0" u="none" strike="noStrike" cap="none">
           <a:solidFill>
             <a:srgbClr val="000000"/>
           </a:solidFill>
-          <a:latin typeface="Arial"/>
-          <a:ea typeface="Arial"/>
-          <a:cs typeface="Arial"/>
-          <a:sym typeface="Arial"/>
+          <a:latin typeface="Arial" panose="020B0604020202020204"/>
+          <a:ea typeface="Arial" panose="020B0604020202020204"/>
+          <a:cs typeface="Arial" panose="020B0604020202020204"/>
+          <a:sym typeface="Arial" panose="020B0604020202020204"/>
         </a:defRPr>
       </a:lvl5pPr>
-      <a:lvl6pPr lvl="5" marR="0" rtl="0" algn="l">
+      <a:lvl6pPr marR="0" lvl="5" algn="l" rtl="0">
         <a:lnSpc>
           <a:spcPct val="100000"/>
         </a:lnSpc>
@@ -5117,18 +5095,18 @@
         <a:buClr>
           <a:srgbClr val="000000"/>
         </a:buClr>
-        <a:buFont typeface="Arial"/>
-        <a:defRPr b="0" i="0" sz="1400" u="none" cap="none" strike="noStrike">
+        <a:buFont typeface="Arial" panose="020B0604020202020204"/>
+        <a:defRPr sz="1400" b="0" i="0" u="none" strike="noStrike" cap="none">
           <a:solidFill>
             <a:srgbClr val="000000"/>
           </a:solidFill>
-          <a:latin typeface="Arial"/>
-          <a:ea typeface="Arial"/>
-          <a:cs typeface="Arial"/>
-          <a:sym typeface="Arial"/>
+          <a:latin typeface="Arial" panose="020B0604020202020204"/>
+          <a:ea typeface="Arial" panose="020B0604020202020204"/>
+          <a:cs typeface="Arial" panose="020B0604020202020204"/>
+          <a:sym typeface="Arial" panose="020B0604020202020204"/>
         </a:defRPr>
       </a:lvl6pPr>
-      <a:lvl7pPr lvl="6" marR="0" rtl="0" algn="l">
+      <a:lvl7pPr marR="0" lvl="6" algn="l" rtl="0">
         <a:lnSpc>
           <a:spcPct val="100000"/>
         </a:lnSpc>
@@ -5141,18 +5119,18 @@
         <a:buClr>
           <a:srgbClr val="000000"/>
         </a:buClr>
-        <a:buFont typeface="Arial"/>
-        <a:defRPr b="0" i="0" sz="1400" u="none" cap="none" strike="noStrike">
+        <a:buFont typeface="Arial" panose="020B0604020202020204"/>
+        <a:defRPr sz="1400" b="0" i="0" u="none" strike="noStrike" cap="none">
           <a:solidFill>
             <a:srgbClr val="000000"/>
           </a:solidFill>
-          <a:latin typeface="Arial"/>
-          <a:ea typeface="Arial"/>
-          <a:cs typeface="Arial"/>
-          <a:sym typeface="Arial"/>
+          <a:latin typeface="Arial" panose="020B0604020202020204"/>
+          <a:ea typeface="Arial" panose="020B0604020202020204"/>
+          <a:cs typeface="Arial" panose="020B0604020202020204"/>
+          <a:sym typeface="Arial" panose="020B0604020202020204"/>
         </a:defRPr>
       </a:lvl7pPr>
-      <a:lvl8pPr lvl="7" marR="0" rtl="0" algn="l">
+      <a:lvl8pPr marR="0" lvl="7" algn="l" rtl="0">
         <a:lnSpc>
           <a:spcPct val="100000"/>
         </a:lnSpc>
@@ -5165,18 +5143,18 @@
         <a:buClr>
           <a:srgbClr val="000000"/>
         </a:buClr>
-        <a:buFont typeface="Arial"/>
-        <a:defRPr b="0" i="0" sz="1400" u="none" cap="none" strike="noStrike">
+        <a:buFont typeface="Arial" panose="020B0604020202020204"/>
+        <a:defRPr sz="1400" b="0" i="0" u="none" strike="noStrike" cap="none">
           <a:solidFill>
             <a:srgbClr val="000000"/>
           </a:solidFill>
-          <a:latin typeface="Arial"/>
-          <a:ea typeface="Arial"/>
-          <a:cs typeface="Arial"/>
-          <a:sym typeface="Arial"/>
+          <a:latin typeface="Arial" panose="020B0604020202020204"/>
+          <a:ea typeface="Arial" panose="020B0604020202020204"/>
+          <a:cs typeface="Arial" panose="020B0604020202020204"/>
+          <a:sym typeface="Arial" panose="020B0604020202020204"/>
         </a:defRPr>
       </a:lvl8pPr>
-      <a:lvl9pPr lvl="8" marR="0" rtl="0" algn="l">
+      <a:lvl9pPr marR="0" lvl="8" algn="l" rtl="0">
         <a:lnSpc>
           <a:spcPct val="100000"/>
         </a:lnSpc>
@@ -5189,20 +5167,20 @@
         <a:buClr>
           <a:srgbClr val="000000"/>
         </a:buClr>
-        <a:buFont typeface="Arial"/>
-        <a:defRPr b="0" i="0" sz="1400" u="none" cap="none" strike="noStrike">
+        <a:buFont typeface="Arial" panose="020B0604020202020204"/>
+        <a:defRPr sz="1400" b="0" i="0" u="none" strike="noStrike" cap="none">
           <a:solidFill>
             <a:srgbClr val="000000"/>
           </a:solidFill>
-          <a:latin typeface="Arial"/>
-          <a:ea typeface="Arial"/>
-          <a:cs typeface="Arial"/>
-          <a:sym typeface="Arial"/>
+          <a:latin typeface="Arial" panose="020B0604020202020204"/>
+          <a:ea typeface="Arial" panose="020B0604020202020204"/>
+          <a:cs typeface="Arial" panose="020B0604020202020204"/>
+          <a:sym typeface="Arial" panose="020B0604020202020204"/>
         </a:defRPr>
       </a:lvl9pPr>
     </p:bodyStyle>
     <p:otherStyle>
-      <a:defPPr lvl="0" marR="0" rtl="0" algn="l">
+      <a:defPPr marR="0" lvl="0" algn="l" rtl="0">
         <a:lnSpc>
           <a:spcPct val="100000"/>
         </a:lnSpc>
@@ -5213,7 +5191,7 @@
           <a:spcPts val="0"/>
         </a:spcAft>
       </a:defPPr>
-      <a:lvl1pPr lvl="0" marR="0" rtl="0" algn="l">
+      <a:lvl1pPr marR="0" lvl="0" algn="l" rtl="0">
         <a:lnSpc>
           <a:spcPct val="100000"/>
         </a:lnSpc>
@@ -5226,18 +5204,18 @@
         <a:buClr>
           <a:srgbClr val="000000"/>
         </a:buClr>
-        <a:buFont typeface="Arial"/>
-        <a:defRPr b="0" i="0" sz="1400" u="none" cap="none" strike="noStrike">
+        <a:buFont typeface="Arial" panose="020B0604020202020204"/>
+        <a:defRPr sz="1400" b="0" i="0" u="none" strike="noStrike" cap="none">
           <a:solidFill>
             <a:srgbClr val="000000"/>
           </a:solidFill>
-          <a:latin typeface="Arial"/>
-          <a:ea typeface="Arial"/>
-          <a:cs typeface="Arial"/>
-          <a:sym typeface="Arial"/>
+          <a:latin typeface="Arial" panose="020B0604020202020204"/>
+          <a:ea typeface="Arial" panose="020B0604020202020204"/>
+          <a:cs typeface="Arial" panose="020B0604020202020204"/>
+          <a:sym typeface="Arial" panose="020B0604020202020204"/>
         </a:defRPr>
       </a:lvl1pPr>
-      <a:lvl2pPr lvl="1" marR="0" rtl="0" algn="l">
+      <a:lvl2pPr marR="0" lvl="1" algn="l" rtl="0">
         <a:lnSpc>
           <a:spcPct val="100000"/>
         </a:lnSpc>
@@ -5250,18 +5228,18 @@
         <a:buClr>
           <a:srgbClr val="000000"/>
         </a:buClr>
-        <a:buFont typeface="Arial"/>
-        <a:defRPr b="0" i="0" sz="1400" u="none" cap="none" strike="noStrike">
+        <a:buFont typeface="Arial" panose="020B0604020202020204"/>
+        <a:defRPr sz="1400" b="0" i="0" u="none" strike="noStrike" cap="none">
           <a:solidFill>
             <a:srgbClr val="000000"/>
           </a:solidFill>
-          <a:latin typeface="Arial"/>
-          <a:ea typeface="Arial"/>
-          <a:cs typeface="Arial"/>
-          <a:sym typeface="Arial"/>
+          <a:latin typeface="Arial" panose="020B0604020202020204"/>
+          <a:ea typeface="Arial" panose="020B0604020202020204"/>
+          <a:cs typeface="Arial" panose="020B0604020202020204"/>
+          <a:sym typeface="Arial" panose="020B0604020202020204"/>
         </a:defRPr>
       </a:lvl2pPr>
-      <a:lvl3pPr lvl="2" marR="0" rtl="0" algn="l">
+      <a:lvl3pPr marR="0" lvl="2" algn="l" rtl="0">
         <a:lnSpc>
           <a:spcPct val="100000"/>
         </a:lnSpc>
@@ -5274,18 +5252,18 @@
         <a:buClr>
           <a:srgbClr val="000000"/>
         </a:buClr>
-        <a:buFont typeface="Arial"/>
-        <a:defRPr b="0" i="0" sz="1400" u="none" cap="none" strike="noStrike">
+        <a:buFont typeface="Arial" panose="020B0604020202020204"/>
+        <a:defRPr sz="1400" b="0" i="0" u="none" strike="noStrike" cap="none">
           <a:solidFill>
             <a:srgbClr val="000000"/>
           </a:solidFill>
-          <a:latin typeface="Arial"/>
-          <a:ea typeface="Arial"/>
-          <a:cs typeface="Arial"/>
-          <a:sym typeface="Arial"/>
+          <a:latin typeface="Arial" panose="020B0604020202020204"/>
+          <a:ea typeface="Arial" panose="020B0604020202020204"/>
+          <a:cs typeface="Arial" panose="020B0604020202020204"/>
+          <a:sym typeface="Arial" panose="020B0604020202020204"/>
         </a:defRPr>
       </a:lvl3pPr>
-      <a:lvl4pPr lvl="3" marR="0" rtl="0" algn="l">
+      <a:lvl4pPr marR="0" lvl="3" algn="l" rtl="0">
         <a:lnSpc>
           <a:spcPct val="100000"/>
         </a:lnSpc>
@@ -5298,18 +5276,18 @@
         <a:buClr>
           <a:srgbClr val="000000"/>
         </a:buClr>
-        <a:buFont typeface="Arial"/>
-        <a:defRPr b="0" i="0" sz="1400" u="none" cap="none" strike="noStrike">
+        <a:buFont typeface="Arial" panose="020B0604020202020204"/>
+        <a:defRPr sz="1400" b="0" i="0" u="none" strike="noStrike" cap="none">
           <a:solidFill>
             <a:srgbClr val="000000"/>
           </a:solidFill>
-          <a:latin typeface="Arial"/>
-          <a:ea typeface="Arial"/>
-          <a:cs typeface="Arial"/>
-          <a:sym typeface="Arial"/>
+          <a:latin typeface="Arial" panose="020B0604020202020204"/>
+          <a:ea typeface="Arial" panose="020B0604020202020204"/>
+          <a:cs typeface="Arial" panose="020B0604020202020204"/>
+          <a:sym typeface="Arial" panose="020B0604020202020204"/>
         </a:defRPr>
       </a:lvl4pPr>
-      <a:lvl5pPr lvl="4" marR="0" rtl="0" algn="l">
+      <a:lvl5pPr marR="0" lvl="4" algn="l" rtl="0">
         <a:lnSpc>
           <a:spcPct val="100000"/>
         </a:lnSpc>
@@ -5322,18 +5300,18 @@
         <a:buClr>
           <a:srgbClr val="000000"/>
         </a:buClr>
-        <a:buFont typeface="Arial"/>
-        <a:defRPr b="0" i="0" sz="1400" u="none" cap="none" strike="noStrike">
+        <a:buFont typeface="Arial" panose="020B0604020202020204"/>
+        <a:defRPr sz="1400" b="0" i="0" u="none" strike="noStrike" cap="none">
           <a:solidFill>
             <a:srgbClr val="000000"/>
           </a:solidFill>
-          <a:latin typeface="Arial"/>
-          <a:ea typeface="Arial"/>
-          <a:cs typeface="Arial"/>
-          <a:sym typeface="Arial"/>
+          <a:latin typeface="Arial" panose="020B0604020202020204"/>
+          <a:ea typeface="Arial" panose="020B0604020202020204"/>
+          <a:cs typeface="Arial" panose="020B0604020202020204"/>
+          <a:sym typeface="Arial" panose="020B0604020202020204"/>
         </a:defRPr>
       </a:lvl5pPr>
-      <a:lvl6pPr lvl="5" marR="0" rtl="0" algn="l">
+      <a:lvl6pPr marR="0" lvl="5" algn="l" rtl="0">
         <a:lnSpc>
           <a:spcPct val="100000"/>
         </a:lnSpc>
@@ -5346,18 +5324,18 @@
         <a:buClr>
           <a:srgbClr val="000000"/>
         </a:buClr>
-        <a:buFont typeface="Arial"/>
-        <a:defRPr b="0" i="0" sz="1400" u="none" cap="none" strike="noStrike">
+        <a:buFont typeface="Arial" panose="020B0604020202020204"/>
+        <a:defRPr sz="1400" b="0" i="0" u="none" strike="noStrike" cap="none">
           <a:solidFill>
             <a:srgbClr val="000000"/>
           </a:solidFill>
-          <a:latin typeface="Arial"/>
-          <a:ea typeface="Arial"/>
-          <a:cs typeface="Arial"/>
-          <a:sym typeface="Arial"/>
+          <a:latin typeface="Arial" panose="020B0604020202020204"/>
+          <a:ea typeface="Arial" panose="020B0604020202020204"/>
+          <a:cs typeface="Arial" panose="020B0604020202020204"/>
+          <a:sym typeface="Arial" panose="020B0604020202020204"/>
         </a:defRPr>
       </a:lvl6pPr>
-      <a:lvl7pPr lvl="6" marR="0" rtl="0" algn="l">
+      <a:lvl7pPr marR="0" lvl="6" algn="l" rtl="0">
         <a:lnSpc>
           <a:spcPct val="100000"/>
         </a:lnSpc>
@@ -5370,18 +5348,18 @@
         <a:buClr>
           <a:srgbClr val="000000"/>
         </a:buClr>
-        <a:buFont typeface="Arial"/>
-        <a:defRPr b="0" i="0" sz="1400" u="none" cap="none" strike="noStrike">
+        <a:buFont typeface="Arial" panose="020B0604020202020204"/>
+        <a:defRPr sz="1400" b="0" i="0" u="none" strike="noStrike" cap="none">
           <a:solidFill>
             <a:srgbClr val="000000"/>
           </a:solidFill>
-          <a:latin typeface="Arial"/>
-          <a:ea typeface="Arial"/>
-          <a:cs typeface="Arial"/>
-          <a:sym typeface="Arial"/>
+          <a:latin typeface="Arial" panose="020B0604020202020204"/>
+          <a:ea typeface="Arial" panose="020B0604020202020204"/>
+          <a:cs typeface="Arial" panose="020B0604020202020204"/>
+          <a:sym typeface="Arial" panose="020B0604020202020204"/>
         </a:defRPr>
       </a:lvl7pPr>
-      <a:lvl8pPr lvl="7" marR="0" rtl="0" algn="l">
+      <a:lvl8pPr marR="0" lvl="7" algn="l" rtl="0">
         <a:lnSpc>
           <a:spcPct val="100000"/>
         </a:lnSpc>
@@ -5394,18 +5372,18 @@
         <a:buClr>
           <a:srgbClr val="000000"/>
         </a:buClr>
-        <a:buFont typeface="Arial"/>
-        <a:defRPr b="0" i="0" sz="1400" u="none" cap="none" strike="noStrike">
+        <a:buFont typeface="Arial" panose="020B0604020202020204"/>
+        <a:defRPr sz="1400" b="0" i="0" u="none" strike="noStrike" cap="none">
           <a:solidFill>
             <a:srgbClr val="000000"/>
           </a:solidFill>
-          <a:latin typeface="Arial"/>
-          <a:ea typeface="Arial"/>
-          <a:cs typeface="Arial"/>
-          <a:sym typeface="Arial"/>
+          <a:latin typeface="Arial" panose="020B0604020202020204"/>
+          <a:ea typeface="Arial" panose="020B0604020202020204"/>
+          <a:cs typeface="Arial" panose="020B0604020202020204"/>
+          <a:sym typeface="Arial" panose="020B0604020202020204"/>
         </a:defRPr>
       </a:lvl8pPr>
-      <a:lvl9pPr lvl="8" marR="0" rtl="0" algn="l">
+      <a:lvl9pPr marR="0" lvl="8" algn="l" rtl="0">
         <a:lnSpc>
           <a:spcPct val="100000"/>
         </a:lnSpc>
@@ -5418,15 +5396,15 @@
         <a:buClr>
           <a:srgbClr val="000000"/>
         </a:buClr>
-        <a:buFont typeface="Arial"/>
-        <a:defRPr b="0" i="0" sz="1400" u="none" cap="none" strike="noStrike">
+        <a:buFont typeface="Arial" panose="020B0604020202020204"/>
+        <a:defRPr sz="1400" b="0" i="0" u="none" strike="noStrike" cap="none">
           <a:solidFill>
             <a:srgbClr val="000000"/>
           </a:solidFill>
-          <a:latin typeface="Arial"/>
-          <a:ea typeface="Arial"/>
-          <a:cs typeface="Arial"/>
-          <a:sym typeface="Arial"/>
+          <a:latin typeface="Arial" panose="020B0604020202020204"/>
+          <a:ea typeface="Arial" panose="020B0604020202020204"/>
+          <a:cs typeface="Arial" panose="020B0604020202020204"/>
+          <a:sym typeface="Arial" panose="020B0604020202020204"/>
         </a:defRPr>
       </a:lvl9pPr>
     </p:otherStyle>
@@ -5435,7 +5413,7 @@
 </file>
 
 <file path=ppt/slides/slide1.xml><?xml version="1.0" encoding="utf-8"?>
-<p:sld xmlns:a="http://schemas.openxmlformats.org/drawingml/2006/main" xmlns:r="http://schemas.openxmlformats.org/officeDocument/2006/relationships" xmlns:mc="http://schemas.openxmlformats.org/markup-compatibility/2006" xmlns:mv="urn:schemas-microsoft-com:mac:vml" xmlns:p="http://schemas.openxmlformats.org/presentationml/2006/main" xmlns:c="http://schemas.openxmlformats.org/drawingml/2006/chart" xmlns:dgm="http://schemas.openxmlformats.org/drawingml/2006/diagram" xmlns:o="urn:schemas-microsoft-com:office:office" xmlns:v="urn:schemas-microsoft-com:vml" xmlns:pvml="urn:schemas-microsoft-com:office:powerpoint" xmlns:com="http://schemas.openxmlformats.org/drawingml/2006/compatibility" xmlns:p14="http://schemas.microsoft.com/office/powerpoint/2010/main" xmlns:p15="http://schemas.microsoft.com/office/powerpoint/2012/main">
+<p:sld xmlns:a="http://schemas.openxmlformats.org/drawingml/2006/main" xmlns:r="http://schemas.openxmlformats.org/officeDocument/2006/relationships" xmlns:p="http://schemas.openxmlformats.org/presentationml/2006/main">
   <p:cSld>
     <p:spTree>
       <p:nvGrpSpPr>
@@ -5459,7 +5437,7 @@
         </p:nvSpPr>
         <p:spPr>
           <a:xfrm>
-            <a:off x="2441363" y="2111425"/>
+            <a:off x="2396913" y="1800275"/>
             <a:ext cx="1308000" cy="597600"/>
           </a:xfrm>
           <a:prstGeom prst="rect">
@@ -5473,12 +5451,12 @@
           </a:ln>
         </p:spPr>
         <p:txBody>
-          <a:bodyPr anchorCtr="0" anchor="ctr" bIns="91425" lIns="91425" spcFirstLastPara="1" rIns="91425" wrap="square" tIns="91425">
+          <a:bodyPr spcFirstLastPara="1" wrap="square" lIns="91425" tIns="91425" rIns="91425" bIns="91425" anchor="ctr" anchorCtr="0">
             <a:noAutofit/>
           </a:bodyPr>
           <a:lstStyle/>
           <a:p>
-            <a:pPr indent="0" lvl="0" marL="0" rtl="0" algn="ctr">
+            <a:pPr marL="0" lvl="0" indent="0" algn="ctr" rtl="0">
               <a:spcBef>
                 <a:spcPts val="0"/>
               </a:spcBef>
@@ -5488,7 +5466,7 @@
               <a:buNone/>
             </a:pPr>
             <a:r>
-              <a:rPr lang="en" sz="1000"/>
+              <a:rPr lang="en-GB" sz="1000"/>
               <a:t>Build application container or OS image</a:t>
             </a:r>
             <a:endParaRPr sz="1000"/>
@@ -5503,7 +5481,7 @@
         </p:nvSpPr>
         <p:spPr>
           <a:xfrm>
-            <a:off x="6805175" y="2111425"/>
+            <a:off x="7123945" y="2987725"/>
             <a:ext cx="1666500" cy="597600"/>
           </a:xfrm>
           <a:prstGeom prst="rect">
@@ -5517,12 +5495,12 @@
           </a:ln>
         </p:spPr>
         <p:txBody>
-          <a:bodyPr anchorCtr="0" anchor="ctr" bIns="91425" lIns="91425" spcFirstLastPara="1" rIns="91425" wrap="square" tIns="91425">
+          <a:bodyPr spcFirstLastPara="1" wrap="square" lIns="91425" tIns="91425" rIns="91425" bIns="91425" anchor="ctr" anchorCtr="0">
             <a:noAutofit/>
           </a:bodyPr>
           <a:lstStyle/>
           <a:p>
-            <a:pPr indent="0" lvl="0" marL="0" rtl="0" algn="ctr">
+            <a:pPr marL="0" lvl="0" indent="0" algn="ctr" rtl="0">
               <a:spcBef>
                 <a:spcPts val="0"/>
               </a:spcBef>
@@ -5532,7 +5510,7 @@
               <a:buNone/>
             </a:pPr>
             <a:r>
-              <a:rPr lang="en" sz="1000"/>
+              <a:rPr lang="en-GB" sz="1000"/>
               <a:t>Deploy cloud configuration or application to environment</a:t>
             </a:r>
             <a:endParaRPr sz="1000"/>
@@ -5547,7 +5525,7 @@
         </p:nvSpPr>
         <p:spPr>
           <a:xfrm>
-            <a:off x="4623263" y="2111425"/>
+            <a:off x="4600403" y="2987725"/>
             <a:ext cx="1308000" cy="597600"/>
           </a:xfrm>
           <a:prstGeom prst="rect">
@@ -5561,12 +5539,12 @@
           </a:ln>
         </p:spPr>
         <p:txBody>
-          <a:bodyPr anchorCtr="0" anchor="ctr" bIns="91425" lIns="91425" spcFirstLastPara="1" rIns="91425" wrap="square" tIns="91425">
+          <a:bodyPr spcFirstLastPara="1" wrap="square" lIns="91425" tIns="91425" rIns="91425" bIns="91425" anchor="ctr" anchorCtr="0">
             <a:noAutofit/>
           </a:bodyPr>
           <a:lstStyle/>
           <a:p>
-            <a:pPr indent="0" lvl="0" marL="0" rtl="0" algn="ctr">
+            <a:pPr marL="0" lvl="0" indent="0" algn="ctr" rtl="0">
               <a:spcBef>
                 <a:spcPts val="0"/>
               </a:spcBef>
@@ -5576,7 +5554,7 @@
               <a:buNone/>
             </a:pPr>
             <a:r>
-              <a:rPr lang="en" sz="1000"/>
+              <a:rPr lang="en-GB" sz="1000"/>
               <a:t>Update cloud and infrastructure configuration</a:t>
             </a:r>
             <a:endParaRPr sz="1000"/>
@@ -5591,7 +5569,7 @@
         </p:nvSpPr>
         <p:spPr>
           <a:xfrm>
-            <a:off x="298375" y="1574400"/>
+            <a:off x="169470" y="1800460"/>
             <a:ext cx="1308000" cy="597600"/>
           </a:xfrm>
           <a:prstGeom prst="rect">
@@ -5605,12 +5583,12 @@
           </a:ln>
         </p:spPr>
         <p:txBody>
-          <a:bodyPr anchorCtr="0" anchor="ctr" bIns="91425" lIns="91425" spcFirstLastPara="1" rIns="91425" wrap="square" tIns="91425">
+          <a:bodyPr spcFirstLastPara="1" wrap="square" lIns="91425" tIns="91425" rIns="91425" bIns="91425" anchor="ctr" anchorCtr="0">
             <a:noAutofit/>
           </a:bodyPr>
           <a:lstStyle/>
           <a:p>
-            <a:pPr indent="0" lvl="0" marL="0" rtl="0" algn="ctr">
+            <a:pPr marL="0" lvl="0" indent="0" algn="ctr" rtl="0">
               <a:spcBef>
                 <a:spcPts val="0"/>
               </a:spcBef>
@@ -5620,7 +5598,7 @@
               <a:buNone/>
             </a:pPr>
             <a:r>
-              <a:rPr lang="en" sz="1000"/>
+              <a:rPr lang="en-GB" sz="1000"/>
               <a:t>Application code or OS change</a:t>
             </a:r>
             <a:endParaRPr sz="1000"/>
@@ -5635,7 +5613,7 @@
         </p:nvSpPr>
         <p:spPr>
           <a:xfrm>
-            <a:off x="298375" y="2672300"/>
+            <a:off x="193600" y="2987895"/>
             <a:ext cx="1308000" cy="597600"/>
           </a:xfrm>
           <a:prstGeom prst="rect">
@@ -5649,12 +5627,12 @@
           </a:ln>
         </p:spPr>
         <p:txBody>
-          <a:bodyPr anchorCtr="0" anchor="ctr" bIns="91425" lIns="91425" spcFirstLastPara="1" rIns="91425" wrap="square" tIns="91425">
+          <a:bodyPr spcFirstLastPara="1" wrap="square" lIns="91425" tIns="91425" rIns="91425" bIns="91425" anchor="ctr" anchorCtr="0">
             <a:noAutofit/>
           </a:bodyPr>
           <a:lstStyle/>
           <a:p>
-            <a:pPr indent="0" lvl="0" marL="0" rtl="0" algn="ctr">
+            <a:pPr marL="0" lvl="0" indent="0" algn="ctr" rtl="0">
               <a:spcBef>
                 <a:spcPts val="0"/>
               </a:spcBef>
@@ -5664,11 +5642,11 @@
               <a:buNone/>
             </a:pPr>
             <a:r>
-              <a:rPr lang="en" sz="1000"/>
+              <a:rPr lang="en-GB" sz="1000"/>
               <a:t>Infrastructure</a:t>
             </a:r>
             <a:r>
-              <a:rPr lang="en" sz="1000"/>
+              <a:rPr lang="en-GB" sz="1000"/>
               <a:t> code change</a:t>
             </a:r>
             <a:endParaRPr sz="1000"/>
@@ -5679,28 +5657,29 @@
         <p:nvCxnSpPr>
           <p:cNvPr id="59" name="Google Shape;59;p13"/>
           <p:cNvCxnSpPr>
-            <a:stCxn id="57" idx="3"/>
-            <a:endCxn id="54" idx="0"/>
+            <a:endCxn id="54" idx="1"/>
           </p:cNvCxnSpPr>
           <p:nvPr/>
         </p:nvCxnSpPr>
         <p:spPr>
           <a:xfrm>
-            <a:off x="1606375" y="1873200"/>
-            <a:ext cx="1488900" cy="238200"/>
+            <a:off x="1475740" y="2096770"/>
+            <a:ext cx="921385" cy="3175"/>
           </a:xfrm>
-          <a:prstGeom prst="bentConnector2">
-            <a:avLst/>
+          <a:prstGeom prst="bentConnector3">
+            <a:avLst>
+              <a:gd name="adj1" fmla="val 50034"/>
+            </a:avLst>
           </a:prstGeom>
           <a:noFill/>
-          <a:ln cap="flat" cmpd="sng" w="9525">
+          <a:ln w="9525" cap="flat" cmpd="sng">
             <a:solidFill>
               <a:schemeClr val="dk2"/>
             </a:solidFill>
             <a:prstDash val="solid"/>
             <a:round/>
-            <a:headEnd len="med" w="med" type="none"/>
-            <a:tailEnd len="med" w="med" type="triangle"/>
+            <a:headEnd type="none" w="med" len="med"/>
+            <a:tailEnd type="triangle" w="med" len="med"/>
           </a:ln>
         </p:spPr>
       </p:cxnSp>
@@ -5709,27 +5688,27 @@
           <p:cNvPr id="60" name="Google Shape;60;p13"/>
           <p:cNvCxnSpPr>
             <a:stCxn id="58" idx="3"/>
-            <a:endCxn id="56" idx="2"/>
+            <a:endCxn id="1" idx="1"/>
           </p:cNvCxnSpPr>
           <p:nvPr/>
         </p:nvCxnSpPr>
         <p:spPr>
-          <a:xfrm flipH="1" rot="10800000">
-            <a:off x="1606375" y="2708900"/>
-            <a:ext cx="3670800" cy="262200"/>
+          <a:xfrm>
+            <a:off x="1501775" y="3286760"/>
+            <a:ext cx="895350" cy="3175"/>
           </a:xfrm>
           <a:prstGeom prst="bentConnector2">
             <a:avLst/>
           </a:prstGeom>
           <a:noFill/>
-          <a:ln cap="flat" cmpd="sng" w="9525">
+          <a:ln w="9525" cap="flat" cmpd="sng">
             <a:solidFill>
               <a:schemeClr val="dk2"/>
             </a:solidFill>
             <a:prstDash val="solid"/>
             <a:round/>
-            <a:headEnd len="med" w="med" type="none"/>
-            <a:tailEnd len="med" w="med" type="triangle"/>
+            <a:headEnd type="none" w="med" len="med"/>
+            <a:tailEnd type="triangle" w="med" len="med"/>
           </a:ln>
         </p:spPr>
       </p:cxnSp>
@@ -5738,29 +5717,29 @@
           <p:cNvPr id="61" name="Google Shape;61;p13"/>
           <p:cNvCxnSpPr>
             <a:stCxn id="54" idx="3"/>
-            <a:endCxn id="56" idx="1"/>
+            <a:endCxn id="3" idx="1"/>
           </p:cNvCxnSpPr>
           <p:nvPr/>
         </p:nvCxnSpPr>
         <p:spPr>
-          <a:xfrm>
-            <a:off x="3749363" y="2410225"/>
-            <a:ext cx="873900" cy="600"/>
+          <a:xfrm flipV="1">
+            <a:off x="3705225" y="2098040"/>
+            <a:ext cx="897255" cy="1270"/>
           </a:xfrm>
           <a:prstGeom prst="bentConnector3">
             <a:avLst>
-              <a:gd fmla="val 50000" name="adj1"/>
+              <a:gd name="adj1" fmla="val 50035"/>
             </a:avLst>
           </a:prstGeom>
           <a:noFill/>
-          <a:ln cap="flat" cmpd="sng" w="9525">
+          <a:ln w="9525" cap="flat" cmpd="sng">
             <a:solidFill>
               <a:schemeClr val="dk2"/>
             </a:solidFill>
             <a:prstDash val="solid"/>
             <a:round/>
-            <a:headEnd len="med" w="med" type="none"/>
-            <a:tailEnd len="med" w="med" type="triangle"/>
+            <a:headEnd type="none" w="med" len="med"/>
+            <a:tailEnd type="triangle" w="med" len="med"/>
           </a:ln>
         </p:spPr>
       </p:cxnSp>
@@ -5775,23 +5754,238 @@
         </p:nvCxnSpPr>
         <p:spPr>
           <a:xfrm>
-            <a:off x="5931263" y="2410225"/>
-            <a:ext cx="873900" cy="600"/>
+            <a:off x="5908675" y="3286760"/>
+            <a:ext cx="1215390" cy="3175"/>
           </a:xfrm>
-          <a:prstGeom prst="bentConnector3">
-            <a:avLst>
-              <a:gd fmla="val 50001" name="adj1"/>
-            </a:avLst>
+          <a:prstGeom prst="bentConnector2">
+            <a:avLst/>
           </a:prstGeom>
           <a:noFill/>
-          <a:ln cap="flat" cmpd="sng" w="9525">
+          <a:ln w="9525" cap="flat" cmpd="sng">
             <a:solidFill>
               <a:schemeClr val="dk2"/>
             </a:solidFill>
             <a:prstDash val="solid"/>
             <a:round/>
-            <a:headEnd len="med" w="med" type="none"/>
-            <a:tailEnd len="med" w="med" type="triangle"/>
+            <a:headEnd type="none" w="med" len="med"/>
+            <a:tailEnd type="triangle" w="med" len="med"/>
+          </a:ln>
+        </p:spPr>
+      </p:cxnSp>
+      <p:sp>
+        <p:nvSpPr>
+          <p:cNvPr id="1" name="Google Shape;58;p13"/>
+          <p:cNvSpPr/>
+          <p:nvPr/>
+        </p:nvSpPr>
+        <p:spPr>
+          <a:xfrm>
+            <a:off x="2397050" y="2987895"/>
+            <a:ext cx="1308000" cy="597600"/>
+          </a:xfrm>
+          <a:prstGeom prst="rect">
+            <a:avLst/>
+          </a:prstGeom>
+          <a:solidFill>
+            <a:srgbClr val="CFE2F3"/>
+          </a:solidFill>
+          <a:ln>
+            <a:noFill/>
+          </a:ln>
+        </p:spPr>
+        <p:txBody>
+          <a:bodyPr spcFirstLastPara="1" wrap="square" lIns="91425" tIns="91425" rIns="91425" bIns="91425" anchor="ctr" anchorCtr="0">
+            <a:noAutofit/>
+          </a:bodyPr>
+          <a:p>
+            <a:pPr marL="0" lvl="0" indent="0" algn="ctr" rtl="0">
+              <a:spcBef>
+                <a:spcPts val="0"/>
+              </a:spcBef>
+              <a:spcAft>
+                <a:spcPts val="0"/>
+              </a:spcAft>
+              <a:buNone/>
+            </a:pPr>
+            <a:r>
+              <a:rPr lang="en-GB" sz="1000"/>
+              <a:t>Infrastructure as code compliance scanning.</a:t>
+            </a:r>
+            <a:endParaRPr lang="en-GB" sz="1000"/>
+          </a:p>
+        </p:txBody>
+      </p:sp>
+      <p:cxnSp>
+        <p:nvCxnSpPr>
+          <p:cNvPr id="2" name="Google Shape;61;p13"/>
+          <p:cNvCxnSpPr>
+            <a:endCxn id="56" idx="1"/>
+          </p:cNvCxnSpPr>
+          <p:nvPr/>
+        </p:nvCxnSpPr>
+        <p:spPr>
+          <a:xfrm>
+            <a:off x="3705225" y="3286760"/>
+            <a:ext cx="895350" cy="3175"/>
+          </a:xfrm>
+          <a:prstGeom prst="bentConnector2">
+            <a:avLst/>
+          </a:prstGeom>
+          <a:noFill/>
+          <a:ln w="9525" cap="flat" cmpd="sng">
+            <a:solidFill>
+              <a:schemeClr val="dk2"/>
+            </a:solidFill>
+            <a:prstDash val="solid"/>
+            <a:round/>
+            <a:headEnd type="none" w="med" len="med"/>
+            <a:tailEnd type="triangle" w="med" len="med"/>
+          </a:ln>
+        </p:spPr>
+      </p:cxnSp>
+      <p:sp>
+        <p:nvSpPr>
+          <p:cNvPr id="3" name="Google Shape;54;p13"/>
+          <p:cNvSpPr/>
+          <p:nvPr/>
+        </p:nvSpPr>
+        <p:spPr>
+          <a:xfrm>
+            <a:off x="4602268" y="1799005"/>
+            <a:ext cx="1308000" cy="597600"/>
+          </a:xfrm>
+          <a:prstGeom prst="rect">
+            <a:avLst/>
+          </a:prstGeom>
+          <a:solidFill>
+            <a:srgbClr val="CFE2F3"/>
+          </a:solidFill>
+          <a:ln>
+            <a:noFill/>
+          </a:ln>
+        </p:spPr>
+        <p:txBody>
+          <a:bodyPr spcFirstLastPara="1" wrap="square" lIns="91425" tIns="91425" rIns="91425" bIns="91425" anchor="ctr" anchorCtr="0">
+            <a:noAutofit/>
+          </a:bodyPr>
+          <a:p>
+            <a:pPr marL="0" lvl="0" indent="0" algn="ctr" rtl="0">
+              <a:spcBef>
+                <a:spcPts val="0"/>
+              </a:spcBef>
+              <a:spcAft>
+                <a:spcPts val="0"/>
+              </a:spcAft>
+              <a:buNone/>
+            </a:pPr>
+            <a:r>
+              <a:rPr lang="en-GB" sz="1000"/>
+              <a:t>AMI or container image scanning.</a:t>
+            </a:r>
+            <a:endParaRPr lang="en-GB" sz="1000"/>
+          </a:p>
+        </p:txBody>
+      </p:sp>
+      <p:cxnSp>
+        <p:nvCxnSpPr>
+          <p:cNvPr id="4" name="Google Shape;61;p13"/>
+          <p:cNvCxnSpPr>
+            <a:stCxn id="3" idx="2"/>
+            <a:endCxn id="56" idx="0"/>
+          </p:cNvCxnSpPr>
+          <p:nvPr/>
+        </p:nvCxnSpPr>
+        <p:spPr>
+          <a:xfrm rot="5400000">
+            <a:off x="4959985" y="2690495"/>
+            <a:ext cx="591185" cy="3175"/>
+          </a:xfrm>
+          <a:prstGeom prst="bentConnector3">
+            <a:avLst>
+              <a:gd name="adj1" fmla="val 50054"/>
+            </a:avLst>
+          </a:prstGeom>
+          <a:noFill/>
+          <a:ln w="9525" cap="flat" cmpd="sng">
+            <a:solidFill>
+              <a:schemeClr val="dk2"/>
+            </a:solidFill>
+            <a:prstDash val="solid"/>
+            <a:round/>
+            <a:headEnd type="none" w="med" len="med"/>
+            <a:tailEnd type="triangle" w="med" len="med"/>
+          </a:ln>
+        </p:spPr>
+      </p:cxnSp>
+      <p:sp>
+        <p:nvSpPr>
+          <p:cNvPr id="5" name="Google Shape;55;p13"/>
+          <p:cNvSpPr/>
+          <p:nvPr/>
+        </p:nvSpPr>
+        <p:spPr>
+          <a:xfrm>
+            <a:off x="7123945" y="1799005"/>
+            <a:ext cx="1666500" cy="597600"/>
+          </a:xfrm>
+          <a:prstGeom prst="rect">
+            <a:avLst/>
+          </a:prstGeom>
+          <a:solidFill>
+            <a:srgbClr val="CFE2F3"/>
+          </a:solidFill>
+          <a:ln>
+            <a:noFill/>
+          </a:ln>
+        </p:spPr>
+        <p:txBody>
+          <a:bodyPr spcFirstLastPara="1" wrap="square" lIns="91425" tIns="91425" rIns="91425" bIns="91425" anchor="ctr" anchorCtr="0">
+            <a:noAutofit/>
+          </a:bodyPr>
+          <a:p>
+            <a:pPr marL="0" lvl="0" indent="0" algn="ctr" rtl="0">
+              <a:spcBef>
+                <a:spcPts val="0"/>
+              </a:spcBef>
+              <a:spcAft>
+                <a:spcPts val="0"/>
+              </a:spcAft>
+              <a:buNone/>
+            </a:pPr>
+            <a:r>
+              <a:rPr lang="en-GB" sz="1000"/>
+              <a:t>Post-deployment compliance scanning.</a:t>
+            </a:r>
+            <a:endParaRPr lang="en-GB" sz="1000"/>
+          </a:p>
+        </p:txBody>
+      </p:sp>
+      <p:cxnSp>
+        <p:nvCxnSpPr>
+          <p:cNvPr id="6" name="Google Shape;62;p13"/>
+          <p:cNvCxnSpPr>
+            <a:stCxn id="55" idx="0"/>
+            <a:endCxn id="5" idx="2"/>
+          </p:cNvCxnSpPr>
+          <p:nvPr/>
+        </p:nvCxnSpPr>
+        <p:spPr>
+          <a:xfrm rot="16200000">
+            <a:off x="7661275" y="2691765"/>
+            <a:ext cx="591185" cy="3175"/>
+          </a:xfrm>
+          <a:prstGeom prst="bentConnector2">
+            <a:avLst/>
+          </a:prstGeom>
+          <a:noFill/>
+          <a:ln w="9525" cap="flat" cmpd="sng">
+            <a:solidFill>
+              <a:schemeClr val="dk2"/>
+            </a:solidFill>
+            <a:prstDash val="solid"/>
+            <a:round/>
+            <a:headEnd type="none" w="med" len="med"/>
+            <a:tailEnd type="triangle" w="med" len="med"/>
           </a:ln>
         </p:spPr>
       </p:cxnSp>
@@ -5804,7 +5998,291 @@
 </file>
 
 <file path=ppt/theme/theme1.xml><?xml version="1.0" encoding="utf-8"?>
-<a:theme xmlns:a="http://schemas.openxmlformats.org/drawingml/2006/main" xmlns:r="http://schemas.openxmlformats.org/officeDocument/2006/relationships">
+<a:theme xmlns:a="http://schemas.openxmlformats.org/drawingml/2006/main" name="Simple Light">
+  <a:themeElements>
+    <a:clrScheme name="Simple Light">
+      <a:dk1>
+        <a:srgbClr val="000000"/>
+      </a:dk1>
+      <a:lt1>
+        <a:srgbClr val="FFFFFF"/>
+      </a:lt1>
+      <a:dk2>
+        <a:srgbClr val="595959"/>
+      </a:dk2>
+      <a:lt2>
+        <a:srgbClr val="EEEEEE"/>
+      </a:lt2>
+      <a:accent1>
+        <a:srgbClr val="FFAB40"/>
+      </a:accent1>
+      <a:accent2>
+        <a:srgbClr val="212121"/>
+      </a:accent2>
+      <a:accent3>
+        <a:srgbClr val="78909C"/>
+      </a:accent3>
+      <a:accent4>
+        <a:srgbClr val="FFAB40"/>
+      </a:accent4>
+      <a:accent5>
+        <a:srgbClr val="0097A7"/>
+      </a:accent5>
+      <a:accent6>
+        <a:srgbClr val="EEFF41"/>
+      </a:accent6>
+      <a:hlink>
+        <a:srgbClr val="0097A7"/>
+      </a:hlink>
+      <a:folHlink>
+        <a:srgbClr val="0097A7"/>
+      </a:folHlink>
+    </a:clrScheme>
+    <a:fontScheme name="Office">
+      <a:majorFont>
+        <a:latin typeface="Arial"/>
+        <a:ea typeface=""/>
+        <a:cs typeface=""/>
+        <a:font script="Jpan" typeface="ＭＳ Ｐゴシック"/>
+        <a:font script="Hang" typeface="맑은 고딕"/>
+        <a:font script="Hans" typeface="宋体"/>
+        <a:font script="Hant" typeface="新細明體"/>
+        <a:font script="Arab" typeface="Times New Roman"/>
+        <a:font script="Hebr" typeface="Times New Roman"/>
+        <a:font script="Thai" typeface="Angsana New"/>
+        <a:font script="Ethi" typeface="Nyala"/>
+        <a:font script="Beng" typeface="Vrinda"/>
+        <a:font script="Gujr" typeface="Shruti"/>
+        <a:font script="Khmr" typeface="MoolBoran"/>
+        <a:font script="Knda" typeface="Tunga"/>
+        <a:font script="Guru" typeface="Raavi"/>
+        <a:font script="Cans" typeface="Euphemia"/>
+        <a:font script="Cher" typeface="Plantagenet Cherokee"/>
+        <a:font script="Yiii" typeface="Microsoft Yi Baiti"/>
+        <a:font script="Tibt" typeface="Microsoft Himalaya"/>
+        <a:font script="Thaa" typeface="MV Boli"/>
+        <a:font script="Deva" typeface="Mangal"/>
+        <a:font script="Telu" typeface="Gautami"/>
+        <a:font script="Taml" typeface="Latha"/>
+        <a:font script="Syrc" typeface="Estrangelo Edessa"/>
+        <a:font script="Orya" typeface="Kalinga"/>
+        <a:font script="Mlym" typeface="Kartika"/>
+        <a:font script="Laoo" typeface="DokChampa"/>
+        <a:font script="Sinh" typeface="Iskoola Pota"/>
+        <a:font script="Mong" typeface="Mongolian Baiti"/>
+        <a:font script="Viet" typeface="Times New Roman"/>
+        <a:font script="Uigh" typeface="Microsoft Uighur"/>
+        <a:font script="Geor" typeface="Sylfaen"/>
+      </a:majorFont>
+      <a:minorFont>
+        <a:latin typeface="Arial"/>
+        <a:ea typeface=""/>
+        <a:cs typeface=""/>
+        <a:font script="Jpan" typeface="ＭＳ Ｐゴシック"/>
+        <a:font script="Hang" typeface="맑은 고딕"/>
+        <a:font script="Hans" typeface="宋体"/>
+        <a:font script="Hant" typeface="新細明體"/>
+        <a:font script="Arab" typeface="Arial"/>
+        <a:font script="Hebr" typeface="Arial"/>
+        <a:font script="Thai" typeface="Cordia New"/>
+        <a:font script="Ethi" typeface="Nyala"/>
+        <a:font script="Beng" typeface="Vrinda"/>
+        <a:font script="Gujr" typeface="Shruti"/>
+        <a:font script="Khmr" typeface="DaunPenh"/>
+        <a:font script="Knda" typeface="Tunga"/>
+        <a:font script="Guru" typeface="Raavi"/>
+        <a:font script="Cans" typeface="Euphemia"/>
+        <a:font script="Cher" typeface="Plantagenet Cherokee"/>
+        <a:font script="Yiii" typeface="Microsoft Yi Baiti"/>
+        <a:font script="Tibt" typeface="Microsoft Himalaya"/>
+        <a:font script="Thaa" typeface="MV Boli"/>
+        <a:font script="Deva" typeface="Mangal"/>
+        <a:font script="Telu" typeface="Gautami"/>
+        <a:font script="Taml" typeface="Latha"/>
+        <a:font script="Syrc" typeface="Estrangelo Edessa"/>
+        <a:font script="Orya" typeface="Kalinga"/>
+        <a:font script="Mlym" typeface="Kartika"/>
+        <a:font script="Laoo" typeface="DokChampa"/>
+        <a:font script="Sinh" typeface="Iskoola Pota"/>
+        <a:font script="Mong" typeface="Mongolian Baiti"/>
+        <a:font script="Viet" typeface="Arial"/>
+        <a:font script="Uigh" typeface="Microsoft Uighur"/>
+        <a:font script="Geor" typeface="Sylfaen"/>
+      </a:minorFont>
+    </a:fontScheme>
+    <a:fmtScheme name="Office">
+      <a:fillStyleLst>
+        <a:solidFill>
+          <a:schemeClr val="phClr"/>
+        </a:solidFill>
+        <a:gradFill rotWithShape="1">
+          <a:gsLst>
+            <a:gs pos="0">
+              <a:schemeClr val="phClr">
+                <a:tint val="50000"/>
+                <a:satMod val="300000"/>
+              </a:schemeClr>
+            </a:gs>
+            <a:gs pos="35000">
+              <a:schemeClr val="phClr">
+                <a:tint val="37000"/>
+                <a:satMod val="300000"/>
+              </a:schemeClr>
+            </a:gs>
+            <a:gs pos="100000">
+              <a:schemeClr val="phClr">
+                <a:tint val="15000"/>
+                <a:satMod val="350000"/>
+              </a:schemeClr>
+            </a:gs>
+          </a:gsLst>
+          <a:lin ang="16200000" scaled="1"/>
+        </a:gradFill>
+        <a:gradFill rotWithShape="1">
+          <a:gsLst>
+            <a:gs pos="0">
+              <a:schemeClr val="phClr">
+                <a:tint val="100000"/>
+                <a:shade val="100000"/>
+                <a:satMod val="130000"/>
+              </a:schemeClr>
+            </a:gs>
+            <a:gs pos="100000">
+              <a:schemeClr val="phClr">
+                <a:tint val="50000"/>
+                <a:shade val="100000"/>
+                <a:satMod val="350000"/>
+              </a:schemeClr>
+            </a:gs>
+          </a:gsLst>
+          <a:lin ang="16200000" scaled="0"/>
+        </a:gradFill>
+      </a:fillStyleLst>
+      <a:lnStyleLst>
+        <a:ln w="9525" cap="flat" cmpd="sng" algn="ctr">
+          <a:solidFill>
+            <a:schemeClr val="phClr">
+              <a:shade val="95000"/>
+              <a:satMod val="105000"/>
+            </a:schemeClr>
+          </a:solidFill>
+          <a:prstDash val="solid"/>
+        </a:ln>
+        <a:ln w="25400" cap="flat" cmpd="sng" algn="ctr">
+          <a:solidFill>
+            <a:schemeClr val="phClr"/>
+          </a:solidFill>
+          <a:prstDash val="solid"/>
+        </a:ln>
+        <a:ln w="38100" cap="flat" cmpd="sng" algn="ctr">
+          <a:solidFill>
+            <a:schemeClr val="phClr"/>
+          </a:solidFill>
+          <a:prstDash val="solid"/>
+        </a:ln>
+      </a:lnStyleLst>
+      <a:effectStyleLst>
+        <a:effectStyle>
+          <a:effectLst>
+            <a:outerShdw blurRad="40000" dist="20000" dir="5400000" rotWithShape="0">
+              <a:srgbClr val="000000">
+                <a:alpha val="38000"/>
+              </a:srgbClr>
+            </a:outerShdw>
+          </a:effectLst>
+        </a:effectStyle>
+        <a:effectStyle>
+          <a:effectLst>
+            <a:outerShdw blurRad="40000" dist="23000" dir="5400000" rotWithShape="0">
+              <a:srgbClr val="000000">
+                <a:alpha val="35000"/>
+              </a:srgbClr>
+            </a:outerShdw>
+          </a:effectLst>
+        </a:effectStyle>
+        <a:effectStyle>
+          <a:effectLst>
+            <a:outerShdw blurRad="40000" dist="23000" dir="5400000" rotWithShape="0">
+              <a:srgbClr val="000000">
+                <a:alpha val="35000"/>
+              </a:srgbClr>
+            </a:outerShdw>
+          </a:effectLst>
+          <a:scene3d>
+            <a:camera prst="orthographicFront">
+              <a:rot lat="0" lon="0" rev="0"/>
+            </a:camera>
+            <a:lightRig rig="threePt" dir="t">
+              <a:rot lat="0" lon="0" rev="1200000"/>
+            </a:lightRig>
+          </a:scene3d>
+          <a:sp3d>
+            <a:bevelT w="63500" h="25400"/>
+          </a:sp3d>
+        </a:effectStyle>
+      </a:effectStyleLst>
+      <a:bgFillStyleLst>
+        <a:solidFill>
+          <a:schemeClr val="phClr"/>
+        </a:solidFill>
+        <a:gradFill rotWithShape="1">
+          <a:gsLst>
+            <a:gs pos="0">
+              <a:schemeClr val="phClr">
+                <a:tint val="40000"/>
+                <a:satMod val="350000"/>
+              </a:schemeClr>
+            </a:gs>
+            <a:gs pos="40000">
+              <a:schemeClr val="phClr">
+                <a:tint val="45000"/>
+                <a:shade val="99000"/>
+                <a:satMod val="350000"/>
+              </a:schemeClr>
+            </a:gs>
+            <a:gs pos="100000">
+              <a:schemeClr val="phClr">
+                <a:shade val="20000"/>
+                <a:satMod val="255000"/>
+              </a:schemeClr>
+            </a:gs>
+          </a:gsLst>
+          <a:path path="circle">
+            <a:fillToRect l="50000" t="-80000" r="50000" b="180000"/>
+          </a:path>
+        </a:gradFill>
+        <a:gradFill rotWithShape="1">
+          <a:gsLst>
+            <a:gs pos="0">
+              <a:schemeClr val="phClr">
+                <a:tint val="80000"/>
+                <a:satMod val="300000"/>
+              </a:schemeClr>
+            </a:gs>
+            <a:gs pos="100000">
+              <a:schemeClr val="phClr">
+                <a:shade val="30000"/>
+                <a:satMod val="200000"/>
+              </a:schemeClr>
+            </a:gs>
+          </a:gsLst>
+          <a:path path="circle">
+            <a:fillToRect l="50000" t="50000" r="50000" b="50000"/>
+          </a:path>
+        </a:gradFill>
+      </a:bgFillStyleLst>
+    </a:fmtScheme>
+  </a:themeElements>
+  <a:extLst>
+    <a:ext uri="{05A4C25C-085E-4340-85A3-A5531E510DB2}">
+      <thm15:themeFamily xmlns:thm15="http://schemas.microsoft.com/office/thememl/2012/main" name="Office Theme" id="{62F939B6-93AF-4DB8-9C6B-D6C7DFDC589F}" vid="{4A3C46E8-61CC-4603-A589-7422A47A8E4A}"/>
+    </a:ext>
+  </a:extLst>
+</a:theme>
+</file>
+
+<file path=ppt/theme/theme2.xml><?xml version="1.0" encoding="utf-8"?>
+<a:theme xmlns:a="http://schemas.openxmlformats.org/drawingml/2006/main">
   <a:themeElements>
     <a:clrScheme name="Default">
       <a:dk1>
@@ -6079,284 +6557,10 @@
       </a:bgFillStyleLst>
     </a:fmtScheme>
   </a:themeElements>
-</a:theme>
-</file>
-
-<file path=ppt/theme/theme2.xml><?xml version="1.0" encoding="utf-8"?>
-<a:theme xmlns:a="http://schemas.openxmlformats.org/drawingml/2006/main" xmlns:r="http://schemas.openxmlformats.org/officeDocument/2006/relationships" name="Simple Light">
-  <a:themeElements>
-    <a:clrScheme name="Simple Light">
-      <a:dk1>
-        <a:srgbClr val="000000"/>
-      </a:dk1>
-      <a:lt1>
-        <a:srgbClr val="FFFFFF"/>
-      </a:lt1>
-      <a:dk2>
-        <a:srgbClr val="595959"/>
-      </a:dk2>
-      <a:lt2>
-        <a:srgbClr val="EEEEEE"/>
-      </a:lt2>
-      <a:accent1>
-        <a:srgbClr val="FFAB40"/>
-      </a:accent1>
-      <a:accent2>
-        <a:srgbClr val="212121"/>
-      </a:accent2>
-      <a:accent3>
-        <a:srgbClr val="78909C"/>
-      </a:accent3>
-      <a:accent4>
-        <a:srgbClr val="FFAB40"/>
-      </a:accent4>
-      <a:accent5>
-        <a:srgbClr val="0097A7"/>
-      </a:accent5>
-      <a:accent6>
-        <a:srgbClr val="EEFF41"/>
-      </a:accent6>
-      <a:hlink>
-        <a:srgbClr val="0097A7"/>
-      </a:hlink>
-      <a:folHlink>
-        <a:srgbClr val="0097A7"/>
-      </a:folHlink>
-    </a:clrScheme>
-    <a:fontScheme name="Office">
-      <a:majorFont>
-        <a:latin typeface="Arial"/>
-        <a:ea typeface=""/>
-        <a:cs typeface=""/>
-        <a:font script="Jpan" typeface="ＭＳ Ｐゴシック"/>
-        <a:font script="Hang" typeface="맑은 고딕"/>
-        <a:font script="Hans" typeface="宋体"/>
-        <a:font script="Hant" typeface="新細明體"/>
-        <a:font script="Arab" typeface="Times New Roman"/>
-        <a:font script="Hebr" typeface="Times New Roman"/>
-        <a:font script="Thai" typeface="Angsana New"/>
-        <a:font script="Ethi" typeface="Nyala"/>
-        <a:font script="Beng" typeface="Vrinda"/>
-        <a:font script="Gujr" typeface="Shruti"/>
-        <a:font script="Khmr" typeface="MoolBoran"/>
-        <a:font script="Knda" typeface="Tunga"/>
-        <a:font script="Guru" typeface="Raavi"/>
-        <a:font script="Cans" typeface="Euphemia"/>
-        <a:font script="Cher" typeface="Plantagenet Cherokee"/>
-        <a:font script="Yiii" typeface="Microsoft Yi Baiti"/>
-        <a:font script="Tibt" typeface="Microsoft Himalaya"/>
-        <a:font script="Thaa" typeface="MV Boli"/>
-        <a:font script="Deva" typeface="Mangal"/>
-        <a:font script="Telu" typeface="Gautami"/>
-        <a:font script="Taml" typeface="Latha"/>
-        <a:font script="Syrc" typeface="Estrangelo Edessa"/>
-        <a:font script="Orya" typeface="Kalinga"/>
-        <a:font script="Mlym" typeface="Kartika"/>
-        <a:font script="Laoo" typeface="DokChampa"/>
-        <a:font script="Sinh" typeface="Iskoola Pota"/>
-        <a:font script="Mong" typeface="Mongolian Baiti"/>
-        <a:font script="Viet" typeface="Times New Roman"/>
-        <a:font script="Uigh" typeface="Microsoft Uighur"/>
-        <a:font script="Geor" typeface="Sylfaen"/>
-      </a:majorFont>
-      <a:minorFont>
-        <a:latin typeface="Arial"/>
-        <a:ea typeface=""/>
-        <a:cs typeface=""/>
-        <a:font script="Jpan" typeface="ＭＳ Ｐゴシック"/>
-        <a:font script="Hang" typeface="맑은 고딕"/>
-        <a:font script="Hans" typeface="宋体"/>
-        <a:font script="Hant" typeface="新細明體"/>
-        <a:font script="Arab" typeface="Arial"/>
-        <a:font script="Hebr" typeface="Arial"/>
-        <a:font script="Thai" typeface="Cordia New"/>
-        <a:font script="Ethi" typeface="Nyala"/>
-        <a:font script="Beng" typeface="Vrinda"/>
-        <a:font script="Gujr" typeface="Shruti"/>
-        <a:font script="Khmr" typeface="DaunPenh"/>
-        <a:font script="Knda" typeface="Tunga"/>
-        <a:font script="Guru" typeface="Raavi"/>
-        <a:font script="Cans" typeface="Euphemia"/>
-        <a:font script="Cher" typeface="Plantagenet Cherokee"/>
-        <a:font script="Yiii" typeface="Microsoft Yi Baiti"/>
-        <a:font script="Tibt" typeface="Microsoft Himalaya"/>
-        <a:font script="Thaa" typeface="MV Boli"/>
-        <a:font script="Deva" typeface="Mangal"/>
-        <a:font script="Telu" typeface="Gautami"/>
-        <a:font script="Taml" typeface="Latha"/>
-        <a:font script="Syrc" typeface="Estrangelo Edessa"/>
-        <a:font script="Orya" typeface="Kalinga"/>
-        <a:font script="Mlym" typeface="Kartika"/>
-        <a:font script="Laoo" typeface="DokChampa"/>
-        <a:font script="Sinh" typeface="Iskoola Pota"/>
-        <a:font script="Mong" typeface="Mongolian Baiti"/>
-        <a:font script="Viet" typeface="Arial"/>
-        <a:font script="Uigh" typeface="Microsoft Uighur"/>
-        <a:font script="Geor" typeface="Sylfaen"/>
-      </a:minorFont>
-    </a:fontScheme>
-    <a:fmtScheme name="Office">
-      <a:fillStyleLst>
-        <a:solidFill>
-          <a:schemeClr val="phClr"/>
-        </a:solidFill>
-        <a:gradFill rotWithShape="1">
-          <a:gsLst>
-            <a:gs pos="0">
-              <a:schemeClr val="phClr">
-                <a:tint val="50000"/>
-                <a:satMod val="300000"/>
-              </a:schemeClr>
-            </a:gs>
-            <a:gs pos="35000">
-              <a:schemeClr val="phClr">
-                <a:tint val="37000"/>
-                <a:satMod val="300000"/>
-              </a:schemeClr>
-            </a:gs>
-            <a:gs pos="100000">
-              <a:schemeClr val="phClr">
-                <a:tint val="15000"/>
-                <a:satMod val="350000"/>
-              </a:schemeClr>
-            </a:gs>
-          </a:gsLst>
-          <a:lin ang="16200000" scaled="1"/>
-        </a:gradFill>
-        <a:gradFill rotWithShape="1">
-          <a:gsLst>
-            <a:gs pos="0">
-              <a:schemeClr val="phClr">
-                <a:tint val="100000"/>
-                <a:shade val="100000"/>
-                <a:satMod val="130000"/>
-              </a:schemeClr>
-            </a:gs>
-            <a:gs pos="100000">
-              <a:schemeClr val="phClr">
-                <a:tint val="50000"/>
-                <a:shade val="100000"/>
-                <a:satMod val="350000"/>
-              </a:schemeClr>
-            </a:gs>
-          </a:gsLst>
-          <a:lin ang="16200000" scaled="0"/>
-        </a:gradFill>
-      </a:fillStyleLst>
-      <a:lnStyleLst>
-        <a:ln w="9525" cap="flat" cmpd="sng" algn="ctr">
-          <a:solidFill>
-            <a:schemeClr val="phClr">
-              <a:shade val="95000"/>
-              <a:satMod val="105000"/>
-            </a:schemeClr>
-          </a:solidFill>
-          <a:prstDash val="solid"/>
-        </a:ln>
-        <a:ln w="25400" cap="flat" cmpd="sng" algn="ctr">
-          <a:solidFill>
-            <a:schemeClr val="phClr"/>
-          </a:solidFill>
-          <a:prstDash val="solid"/>
-        </a:ln>
-        <a:ln w="38100" cap="flat" cmpd="sng" algn="ctr">
-          <a:solidFill>
-            <a:schemeClr val="phClr"/>
-          </a:solidFill>
-          <a:prstDash val="solid"/>
-        </a:ln>
-      </a:lnStyleLst>
-      <a:effectStyleLst>
-        <a:effectStyle>
-          <a:effectLst>
-            <a:outerShdw blurRad="40000" dist="20000" dir="5400000" rotWithShape="0">
-              <a:srgbClr val="000000">
-                <a:alpha val="38000"/>
-              </a:srgbClr>
-            </a:outerShdw>
-          </a:effectLst>
-        </a:effectStyle>
-        <a:effectStyle>
-          <a:effectLst>
-            <a:outerShdw blurRad="40000" dist="23000" dir="5400000" rotWithShape="0">
-              <a:srgbClr val="000000">
-                <a:alpha val="35000"/>
-              </a:srgbClr>
-            </a:outerShdw>
-          </a:effectLst>
-        </a:effectStyle>
-        <a:effectStyle>
-          <a:effectLst>
-            <a:outerShdw blurRad="40000" dist="23000" dir="5400000" rotWithShape="0">
-              <a:srgbClr val="000000">
-                <a:alpha val="35000"/>
-              </a:srgbClr>
-            </a:outerShdw>
-          </a:effectLst>
-          <a:scene3d>
-            <a:camera prst="orthographicFront">
-              <a:rot lat="0" lon="0" rev="0"/>
-            </a:camera>
-            <a:lightRig rig="threePt" dir="t">
-              <a:rot lat="0" lon="0" rev="1200000"/>
-            </a:lightRig>
-          </a:scene3d>
-          <a:sp3d>
-            <a:bevelT w="63500" h="25400"/>
-          </a:sp3d>
-        </a:effectStyle>
-      </a:effectStyleLst>
-      <a:bgFillStyleLst>
-        <a:solidFill>
-          <a:schemeClr val="phClr"/>
-        </a:solidFill>
-        <a:gradFill rotWithShape="1">
-          <a:gsLst>
-            <a:gs pos="0">
-              <a:schemeClr val="phClr">
-                <a:tint val="40000"/>
-                <a:satMod val="350000"/>
-              </a:schemeClr>
-            </a:gs>
-            <a:gs pos="40000">
-              <a:schemeClr val="phClr">
-                <a:tint val="45000"/>
-                <a:shade val="99000"/>
-                <a:satMod val="350000"/>
-              </a:schemeClr>
-            </a:gs>
-            <a:gs pos="100000">
-              <a:schemeClr val="phClr">
-                <a:shade val="20000"/>
-                <a:satMod val="255000"/>
-              </a:schemeClr>
-            </a:gs>
-          </a:gsLst>
-          <a:path path="circle">
-            <a:fillToRect l="50000" t="-80000" r="50000" b="180000"/>
-          </a:path>
-        </a:gradFill>
-        <a:gradFill rotWithShape="1">
-          <a:gsLst>
-            <a:gs pos="0">
-              <a:schemeClr val="phClr">
-                <a:tint val="80000"/>
-                <a:satMod val="300000"/>
-              </a:schemeClr>
-            </a:gs>
-            <a:gs pos="100000">
-              <a:schemeClr val="phClr">
-                <a:shade val="30000"/>
-                <a:satMod val="200000"/>
-              </a:schemeClr>
-            </a:gs>
-          </a:gsLst>
-          <a:path path="circle">
-            <a:fillToRect l="50000" t="50000" r="50000" b="50000"/>
-          </a:path>
-        </a:gradFill>
-      </a:bgFillStyleLst>
-    </a:fmtScheme>
-  </a:themeElements>
+  <a:extLst>
+    <a:ext uri="{05A4C25C-085E-4340-85A3-A5531E510DB2}">
+      <thm15:themeFamily xmlns:thm15="http://schemas.microsoft.com/office/thememl/2012/main" name="Office Theme" id="{62F939B6-93AF-4DB8-9C6B-D6C7DFDC589F}" vid="{4A3C46E8-61CC-4603-A589-7422A47A8E4A}"/>
+    </a:ext>
+  </a:extLst>
 </a:theme>
 </file>